--- a/Presentation1.pptx
+++ b/Presentation1.pptx
@@ -7,15 +7,20 @@
   <p:sldIdLst>
     <p:sldId id="256" r:id="rId2"/>
     <p:sldId id="257" r:id="rId3"/>
-    <p:sldId id="258" r:id="rId4"/>
-    <p:sldId id="266" r:id="rId5"/>
-    <p:sldId id="259" r:id="rId6"/>
-    <p:sldId id="260" r:id="rId7"/>
-    <p:sldId id="261" r:id="rId8"/>
-    <p:sldId id="262" r:id="rId9"/>
-    <p:sldId id="263" r:id="rId10"/>
-    <p:sldId id="264" r:id="rId11"/>
-    <p:sldId id="265" r:id="rId12"/>
+    <p:sldId id="269" r:id="rId4"/>
+    <p:sldId id="258" r:id="rId5"/>
+    <p:sldId id="266" r:id="rId6"/>
+    <p:sldId id="267" r:id="rId7"/>
+    <p:sldId id="268" r:id="rId8"/>
+    <p:sldId id="270" r:id="rId9"/>
+    <p:sldId id="271" r:id="rId10"/>
+    <p:sldId id="259" r:id="rId11"/>
+    <p:sldId id="261" r:id="rId12"/>
+    <p:sldId id="260" r:id="rId13"/>
+    <p:sldId id="262" r:id="rId14"/>
+    <p:sldId id="263" r:id="rId15"/>
+    <p:sldId id="264" r:id="rId16"/>
+    <p:sldId id="265" r:id="rId17"/>
   </p:sldIdLst>
   <p:sldSz cx="12192000" cy="6858000"/>
   <p:notesSz cx="6858000" cy="9144000"/>
@@ -13483,6 +13488,592 @@
           <p:cNvPr id="2" name="Title 1">
             <a:extLst>
               <a:ext uri="{FF2B5EF4-FFF2-40B4-BE49-F238E27FC236}">
+                <a16:creationId xmlns:a16="http://schemas.microsoft.com/office/drawing/2014/main" id="{5E09E1A6-EBD1-4E5B-8BB3-D901BA2E44BB}"/>
+              </a:ext>
+            </a:extLst>
+          </p:cNvPr>
+          <p:cNvSpPr>
+            <a:spLocks noGrp="1"/>
+          </p:cNvSpPr>
+          <p:nvPr>
+            <p:ph type="title"/>
+          </p:nvPr>
+        </p:nvSpPr>
+        <p:spPr/>
+        <p:txBody>
+          <a:bodyPr/>
+          <a:lstStyle/>
+          <a:p>
+            <a:r>
+              <a:rPr lang="en-US" dirty="0">
+                <a:latin typeface="Times New Roman" panose="02020603050405020304" pitchFamily="18" charset="0"/>
+                <a:cs typeface="Times New Roman" panose="02020603050405020304" pitchFamily="18" charset="0"/>
+              </a:rPr>
+              <a:t>PROJECT OBJECTIVE</a:t>
+            </a:r>
+          </a:p>
+        </p:txBody>
+      </p:sp>
+      <p:sp>
+        <p:nvSpPr>
+          <p:cNvPr id="3" name="Content Placeholder 2">
+            <a:extLst>
+              <a:ext uri="{FF2B5EF4-FFF2-40B4-BE49-F238E27FC236}">
+                <a16:creationId xmlns:a16="http://schemas.microsoft.com/office/drawing/2014/main" id="{9FA00C2A-DFEC-40B6-A92C-8F4E4BCC246F}"/>
+              </a:ext>
+            </a:extLst>
+          </p:cNvPr>
+          <p:cNvSpPr>
+            <a:spLocks noGrp="1"/>
+          </p:cNvSpPr>
+          <p:nvPr>
+            <p:ph idx="1"/>
+          </p:nvPr>
+        </p:nvSpPr>
+        <p:spPr/>
+        <p:txBody>
+          <a:bodyPr>
+            <a:normAutofit/>
+          </a:bodyPr>
+          <a:lstStyle/>
+          <a:p>
+            <a:pPr lvl="0"/>
+            <a:r>
+              <a:rPr lang="en-US" sz="2500" dirty="0">
+                <a:latin typeface="Times New Roman" panose="02020603050405020304" pitchFamily="18" charset="0"/>
+                <a:cs typeface="Times New Roman" panose="02020603050405020304" pitchFamily="18" charset="0"/>
+              </a:rPr>
+              <a:t>Build the best multiple regression model that can predict the most suitable candidate for the various internship present on the Internshala, using all the other variables as the predictors.</a:t>
+            </a:r>
+          </a:p>
+          <a:p>
+            <a:pPr lvl="0"/>
+            <a:r>
+              <a:rPr lang="en-US" sz="2500" dirty="0">
+                <a:latin typeface="Times New Roman" panose="02020603050405020304" pitchFamily="18" charset="0"/>
+                <a:cs typeface="Times New Roman" panose="02020603050405020304" pitchFamily="18" charset="0"/>
+              </a:rPr>
+              <a:t>Determine which variables must be made into indicator variables.</a:t>
+            </a:r>
+          </a:p>
+          <a:p>
+            <a:r>
+              <a:rPr lang="en-US" sz="2500" dirty="0">
+                <a:latin typeface="Times New Roman" panose="02020603050405020304" pitchFamily="18" charset="0"/>
+                <a:cs typeface="Times New Roman" panose="02020603050405020304" pitchFamily="18" charset="0"/>
+              </a:rPr>
+              <a:t>Determine which variables might be superfluous.</a:t>
+            </a:r>
+          </a:p>
+        </p:txBody>
+      </p:sp>
+    </p:spTree>
+    <p:extLst>
+      <p:ext uri="{BB962C8B-B14F-4D97-AF65-F5344CB8AC3E}">
+        <p14:creationId xmlns:p14="http://schemas.microsoft.com/office/powerpoint/2010/main" val="3752626626"/>
+      </p:ext>
+    </p:extLst>
+  </p:cSld>
+  <p:clrMapOvr>
+    <a:masterClrMapping/>
+  </p:clrMapOvr>
+</p:sld>
+</file>
+
+<file path=ppt/slides/slide11.xml><?xml version="1.0" encoding="utf-8"?>
+<p:sld xmlns:a="http://schemas.openxmlformats.org/drawingml/2006/main" xmlns:r="http://schemas.openxmlformats.org/officeDocument/2006/relationships" xmlns:p="http://schemas.openxmlformats.org/presentationml/2006/main">
+  <p:cSld>
+    <p:spTree>
+      <p:nvGrpSpPr>
+        <p:cNvPr id="1" name=""/>
+        <p:cNvGrpSpPr/>
+        <p:nvPr/>
+      </p:nvGrpSpPr>
+      <p:grpSpPr>
+        <a:xfrm>
+          <a:off x="0" y="0"/>
+          <a:ext cx="0" cy="0"/>
+          <a:chOff x="0" y="0"/>
+          <a:chExt cx="0" cy="0"/>
+        </a:xfrm>
+      </p:grpSpPr>
+      <p:sp>
+        <p:nvSpPr>
+          <p:cNvPr id="2" name="Title 1">
+            <a:extLst>
+              <a:ext uri="{FF2B5EF4-FFF2-40B4-BE49-F238E27FC236}">
+                <a16:creationId xmlns:a16="http://schemas.microsoft.com/office/drawing/2014/main" id="{A1D0522E-FB13-4439-8357-4F42FF3BAB52}"/>
+              </a:ext>
+            </a:extLst>
+          </p:cNvPr>
+          <p:cNvSpPr>
+            <a:spLocks noGrp="1"/>
+          </p:cNvSpPr>
+          <p:nvPr>
+            <p:ph type="title"/>
+          </p:nvPr>
+        </p:nvSpPr>
+        <p:spPr/>
+        <p:txBody>
+          <a:bodyPr/>
+          <a:lstStyle/>
+          <a:p>
+            <a:r>
+              <a:rPr lang="en-US" dirty="0">
+                <a:latin typeface="Times New Roman" panose="02020603050405020304" pitchFamily="18" charset="0"/>
+                <a:cs typeface="Times New Roman" panose="02020603050405020304" pitchFamily="18" charset="0"/>
+              </a:rPr>
+              <a:t>GOALS</a:t>
+            </a:r>
+          </a:p>
+        </p:txBody>
+      </p:sp>
+      <p:sp>
+        <p:nvSpPr>
+          <p:cNvPr id="3" name="Content Placeholder 2">
+            <a:extLst>
+              <a:ext uri="{FF2B5EF4-FFF2-40B4-BE49-F238E27FC236}">
+                <a16:creationId xmlns:a16="http://schemas.microsoft.com/office/drawing/2014/main" id="{D06505A1-D6B2-4F00-9C58-2CC284108596}"/>
+              </a:ext>
+            </a:extLst>
+          </p:cNvPr>
+          <p:cNvSpPr>
+            <a:spLocks noGrp="1"/>
+          </p:cNvSpPr>
+          <p:nvPr>
+            <p:ph idx="1"/>
+          </p:nvPr>
+        </p:nvSpPr>
+        <p:spPr/>
+        <p:txBody>
+          <a:bodyPr>
+            <a:normAutofit/>
+          </a:bodyPr>
+          <a:lstStyle/>
+          <a:p>
+            <a:r>
+              <a:rPr lang="en-IN" sz="2500" dirty="0">
+                <a:latin typeface="Times New Roman" panose="02020603050405020304" pitchFamily="18" charset="0"/>
+                <a:cs typeface="Times New Roman" panose="02020603050405020304" pitchFamily="18" charset="0"/>
+              </a:rPr>
+              <a:t>To reduce the total number of applicants a company has to go over during the selection for the internship. </a:t>
+            </a:r>
+          </a:p>
+          <a:p>
+            <a:endParaRPr lang="en-IN" sz="2500" dirty="0">
+              <a:latin typeface="Times New Roman" panose="02020603050405020304" pitchFamily="18" charset="0"/>
+              <a:cs typeface="Times New Roman" panose="02020603050405020304" pitchFamily="18" charset="0"/>
+            </a:endParaRPr>
+          </a:p>
+          <a:p>
+            <a:r>
+              <a:rPr lang="en-IN" sz="2500" dirty="0">
+                <a:latin typeface="Times New Roman" panose="02020603050405020304" pitchFamily="18" charset="0"/>
+                <a:cs typeface="Times New Roman" panose="02020603050405020304" pitchFamily="18" charset="0"/>
+              </a:rPr>
+              <a:t>To reduce the chances of error of selection a less suitable applicant when a more suitable one is present.</a:t>
+            </a:r>
+          </a:p>
+        </p:txBody>
+      </p:sp>
+    </p:spTree>
+    <p:extLst>
+      <p:ext uri="{BB962C8B-B14F-4D97-AF65-F5344CB8AC3E}">
+        <p14:creationId xmlns:p14="http://schemas.microsoft.com/office/powerpoint/2010/main" val="3037698774"/>
+      </p:ext>
+    </p:extLst>
+  </p:cSld>
+  <p:clrMapOvr>
+    <a:masterClrMapping/>
+  </p:clrMapOvr>
+</p:sld>
+</file>
+
+<file path=ppt/slides/slide12.xml><?xml version="1.0" encoding="utf-8"?>
+<p:sld xmlns:a="http://schemas.openxmlformats.org/drawingml/2006/main" xmlns:r="http://schemas.openxmlformats.org/officeDocument/2006/relationships" xmlns:p="http://schemas.openxmlformats.org/presentationml/2006/main">
+  <p:cSld>
+    <p:spTree>
+      <p:nvGrpSpPr>
+        <p:cNvPr id="1" name=""/>
+        <p:cNvGrpSpPr/>
+        <p:nvPr/>
+      </p:nvGrpSpPr>
+      <p:grpSpPr>
+        <a:xfrm>
+          <a:off x="0" y="0"/>
+          <a:ext cx="0" cy="0"/>
+          <a:chOff x="0" y="0"/>
+          <a:chExt cx="0" cy="0"/>
+        </a:xfrm>
+      </p:grpSpPr>
+      <p:sp>
+        <p:nvSpPr>
+          <p:cNvPr id="2" name="Title 1">
+            <a:extLst>
+              <a:ext uri="{FF2B5EF4-FFF2-40B4-BE49-F238E27FC236}">
+                <a16:creationId xmlns:a16="http://schemas.microsoft.com/office/drawing/2014/main" id="{8FD38F3D-1F76-4BEC-87C9-ACA486A0000B}"/>
+              </a:ext>
+            </a:extLst>
+          </p:cNvPr>
+          <p:cNvSpPr>
+            <a:spLocks noGrp="1"/>
+          </p:cNvSpPr>
+          <p:nvPr>
+            <p:ph type="title"/>
+          </p:nvPr>
+        </p:nvSpPr>
+        <p:spPr/>
+        <p:txBody>
+          <a:bodyPr/>
+          <a:lstStyle/>
+          <a:p>
+            <a:r>
+              <a:rPr lang="en-US" dirty="0">
+                <a:latin typeface="Times New Roman" panose="02020603050405020304" pitchFamily="18" charset="0"/>
+                <a:cs typeface="Times New Roman" panose="02020603050405020304" pitchFamily="18" charset="0"/>
+              </a:rPr>
+              <a:t>PROBLEM DESCRIPTION</a:t>
+            </a:r>
+          </a:p>
+        </p:txBody>
+      </p:sp>
+      <p:sp>
+        <p:nvSpPr>
+          <p:cNvPr id="3" name="Content Placeholder 2">
+            <a:extLst>
+              <a:ext uri="{FF2B5EF4-FFF2-40B4-BE49-F238E27FC236}">
+                <a16:creationId xmlns:a16="http://schemas.microsoft.com/office/drawing/2014/main" id="{BFFDD785-D465-4692-AA42-1B1954966D74}"/>
+              </a:ext>
+            </a:extLst>
+          </p:cNvPr>
+          <p:cNvSpPr>
+            <a:spLocks noGrp="1"/>
+          </p:cNvSpPr>
+          <p:nvPr>
+            <p:ph idx="1"/>
+          </p:nvPr>
+        </p:nvSpPr>
+        <p:spPr>
+          <a:xfrm>
+            <a:off x="1154954" y="2365131"/>
+            <a:ext cx="9888184" cy="4202723"/>
+          </a:xfrm>
+        </p:spPr>
+        <p:txBody>
+          <a:bodyPr>
+            <a:normAutofit/>
+          </a:bodyPr>
+          <a:lstStyle/>
+          <a:p>
+            <a:r>
+              <a:rPr lang="en-IN" sz="2500" dirty="0">
+                <a:latin typeface="Times New Roman" panose="02020603050405020304" pitchFamily="18" charset="0"/>
+                <a:cs typeface="Times New Roman" panose="02020603050405020304" pitchFamily="18" charset="0"/>
+              </a:rPr>
+              <a:t>In this problem, we have been provided with information about various </a:t>
+            </a:r>
+            <a:r>
+              <a:rPr lang="en-IN" sz="2500" b="1" dirty="0">
+                <a:latin typeface="Times New Roman" panose="02020603050405020304" pitchFamily="18" charset="0"/>
+                <a:cs typeface="Times New Roman" panose="02020603050405020304" pitchFamily="18" charset="0"/>
+              </a:rPr>
+              <a:t>internships posted</a:t>
+            </a:r>
+            <a:r>
+              <a:rPr lang="en-IN" sz="2500" dirty="0">
+                <a:latin typeface="Times New Roman" panose="02020603050405020304" pitchFamily="18" charset="0"/>
+                <a:cs typeface="Times New Roman" panose="02020603050405020304" pitchFamily="18" charset="0"/>
+              </a:rPr>
+              <a:t> on Internshala. (This includes various attributes about the internships like location, duration, start_date of internship etc.)</a:t>
+            </a:r>
+          </a:p>
+          <a:p>
+            <a:r>
+              <a:rPr lang="en-IN" sz="2500" dirty="0">
+                <a:latin typeface="Times New Roman" panose="02020603050405020304" pitchFamily="18" charset="0"/>
+                <a:cs typeface="Times New Roman" panose="02020603050405020304" pitchFamily="18" charset="0"/>
+              </a:rPr>
+              <a:t>We have also been provided information about the </a:t>
+            </a:r>
+            <a:r>
+              <a:rPr lang="en-IN" sz="2500" b="1" dirty="0">
+                <a:latin typeface="Times New Roman" panose="02020603050405020304" pitchFamily="18" charset="0"/>
+                <a:cs typeface="Times New Roman" panose="02020603050405020304" pitchFamily="18" charset="0"/>
+              </a:rPr>
+              <a:t>students who have applied</a:t>
+            </a:r>
+            <a:r>
+              <a:rPr lang="en-IN" sz="2500" dirty="0">
+                <a:latin typeface="Times New Roman" panose="02020603050405020304" pitchFamily="18" charset="0"/>
+                <a:cs typeface="Times New Roman" panose="02020603050405020304" pitchFamily="18" charset="0"/>
+              </a:rPr>
+              <a:t> for the internship. (These include type_of_institute, current_year, academic performance of the student etc.)</a:t>
+            </a:r>
+          </a:p>
+          <a:p>
+            <a:r>
+              <a:rPr lang="en-IN" sz="2500" dirty="0">
+                <a:latin typeface="Times New Roman" panose="02020603050405020304" pitchFamily="18" charset="0"/>
+                <a:cs typeface="Times New Roman" panose="02020603050405020304" pitchFamily="18" charset="0"/>
+              </a:rPr>
+              <a:t>Any student is free to apply for any internship on the portal.</a:t>
+            </a:r>
+          </a:p>
+          <a:p>
+            <a:pPr marL="0" indent="0">
+              <a:buNone/>
+            </a:pPr>
+            <a:endParaRPr lang="en-US" dirty="0"/>
+          </a:p>
+        </p:txBody>
+      </p:sp>
+    </p:spTree>
+    <p:extLst>
+      <p:ext uri="{BB962C8B-B14F-4D97-AF65-F5344CB8AC3E}">
+        <p14:creationId xmlns:p14="http://schemas.microsoft.com/office/powerpoint/2010/main" val="849782412"/>
+      </p:ext>
+    </p:extLst>
+  </p:cSld>
+  <p:clrMapOvr>
+    <a:masterClrMapping/>
+  </p:clrMapOvr>
+</p:sld>
+</file>
+
+<file path=ppt/slides/slide13.xml><?xml version="1.0" encoding="utf-8"?>
+<p:sld xmlns:a="http://schemas.openxmlformats.org/drawingml/2006/main" xmlns:r="http://schemas.openxmlformats.org/officeDocument/2006/relationships" xmlns:p="http://schemas.openxmlformats.org/presentationml/2006/main">
+  <p:cSld>
+    <p:spTree>
+      <p:nvGrpSpPr>
+        <p:cNvPr id="1" name=""/>
+        <p:cNvGrpSpPr/>
+        <p:nvPr/>
+      </p:nvGrpSpPr>
+      <p:grpSpPr>
+        <a:xfrm>
+          <a:off x="0" y="0"/>
+          <a:ext cx="0" cy="0"/>
+          <a:chOff x="0" y="0"/>
+          <a:chExt cx="0" cy="0"/>
+        </a:xfrm>
+      </p:grpSpPr>
+      <p:sp>
+        <p:nvSpPr>
+          <p:cNvPr id="2" name="Title 1">
+            <a:extLst>
+              <a:ext uri="{FF2B5EF4-FFF2-40B4-BE49-F238E27FC236}">
+                <a16:creationId xmlns:a16="http://schemas.microsoft.com/office/drawing/2014/main" id="{6D93EC3F-03B4-4A0C-A0C9-8955B04712EA}"/>
+              </a:ext>
+            </a:extLst>
+          </p:cNvPr>
+          <p:cNvSpPr>
+            <a:spLocks noGrp="1"/>
+          </p:cNvSpPr>
+          <p:nvPr>
+            <p:ph type="title"/>
+          </p:nvPr>
+        </p:nvSpPr>
+        <p:spPr/>
+        <p:txBody>
+          <a:bodyPr/>
+          <a:lstStyle/>
+          <a:p>
+            <a:r>
+              <a:rPr lang="en-IN" dirty="0">
+                <a:latin typeface="Times New Roman" panose="02020603050405020304" pitchFamily="18" charset="0"/>
+                <a:cs typeface="Times New Roman" panose="02020603050405020304" pitchFamily="18" charset="0"/>
+              </a:rPr>
+              <a:t>DATA DESCRIPTION </a:t>
+            </a:r>
+          </a:p>
+        </p:txBody>
+      </p:sp>
+      <p:sp>
+        <p:nvSpPr>
+          <p:cNvPr id="3" name="Content Placeholder 2">
+            <a:extLst>
+              <a:ext uri="{FF2B5EF4-FFF2-40B4-BE49-F238E27FC236}">
+                <a16:creationId xmlns:a16="http://schemas.microsoft.com/office/drawing/2014/main" id="{DD848D02-4045-4D99-9983-32481BA527AE}"/>
+              </a:ext>
+            </a:extLst>
+          </p:cNvPr>
+          <p:cNvSpPr>
+            <a:spLocks noGrp="1"/>
+          </p:cNvSpPr>
+          <p:nvPr>
+            <p:ph idx="1"/>
+          </p:nvPr>
+        </p:nvSpPr>
+        <p:spPr>
+          <a:xfrm>
+            <a:off x="1154954" y="2524368"/>
+            <a:ext cx="8825659" cy="3876431"/>
+          </a:xfrm>
+        </p:spPr>
+        <p:txBody>
+          <a:bodyPr>
+            <a:normAutofit/>
+          </a:bodyPr>
+          <a:lstStyle/>
+          <a:p>
+            <a:r>
+              <a:rPr lang="en-IN" b="1" dirty="0"/>
+              <a:t>Internship.csv</a:t>
+            </a:r>
+            <a:r>
+              <a:rPr lang="en-IN" dirty="0"/>
+              <a:t> - includes the details of all the internships posted on Internshala. These details are filled by the company floating the Internship. Each row represents one internship.</a:t>
+            </a:r>
+          </a:p>
+          <a:p>
+            <a:pPr marL="0" indent="0">
+              <a:buNone/>
+            </a:pPr>
+            <a:endParaRPr lang="en-IN" dirty="0"/>
+          </a:p>
+          <a:p>
+            <a:r>
+              <a:rPr lang="en-IN" b="1" dirty="0"/>
+              <a:t>Student.csv</a:t>
+            </a:r>
+            <a:r>
+              <a:rPr lang="en-IN" dirty="0"/>
+              <a:t> - includes details of the students applying for the internship. These details have been filled by the student. Each row represents an experience of the student. In case the student has not filled any experience, there would be only one row containing details of student.</a:t>
+            </a:r>
+          </a:p>
+          <a:p>
+            <a:endParaRPr lang="en-IN" dirty="0"/>
+          </a:p>
+          <a:p>
+            <a:r>
+              <a:rPr lang="en-IN" b="1" dirty="0"/>
+              <a:t>test.csv &amp; train.csv</a:t>
+            </a:r>
+            <a:r>
+              <a:rPr lang="en-IN" dirty="0"/>
+              <a:t> - include the application details (as applied by student) and the shortlist outcome</a:t>
+            </a:r>
+          </a:p>
+          <a:p>
+            <a:endParaRPr lang="en-US" dirty="0"/>
+          </a:p>
+        </p:txBody>
+      </p:sp>
+    </p:spTree>
+    <p:extLst>
+      <p:ext uri="{BB962C8B-B14F-4D97-AF65-F5344CB8AC3E}">
+        <p14:creationId xmlns:p14="http://schemas.microsoft.com/office/powerpoint/2010/main" val="3144939801"/>
+      </p:ext>
+    </p:extLst>
+  </p:cSld>
+  <p:clrMapOvr>
+    <a:masterClrMapping/>
+  </p:clrMapOvr>
+</p:sld>
+</file>
+
+<file path=ppt/slides/slide14.xml><?xml version="1.0" encoding="utf-8"?>
+<p:sld xmlns:a="http://schemas.openxmlformats.org/drawingml/2006/main" xmlns:r="http://schemas.openxmlformats.org/officeDocument/2006/relationships" xmlns:p="http://schemas.openxmlformats.org/presentationml/2006/main">
+  <p:cSld>
+    <p:spTree>
+      <p:nvGrpSpPr>
+        <p:cNvPr id="1" name=""/>
+        <p:cNvGrpSpPr/>
+        <p:nvPr/>
+      </p:nvGrpSpPr>
+      <p:grpSpPr>
+        <a:xfrm>
+          <a:off x="0" y="0"/>
+          <a:ext cx="0" cy="0"/>
+          <a:chOff x="0" y="0"/>
+          <a:chExt cx="0" cy="0"/>
+        </a:xfrm>
+      </p:grpSpPr>
+      <p:sp>
+        <p:nvSpPr>
+          <p:cNvPr id="2" name="Title 1">
+            <a:extLst>
+              <a:ext uri="{FF2B5EF4-FFF2-40B4-BE49-F238E27FC236}">
+                <a16:creationId xmlns:a16="http://schemas.microsoft.com/office/drawing/2014/main" id="{55524B90-216A-4C74-86B9-1D9215EDA3D7}"/>
+              </a:ext>
+            </a:extLst>
+          </p:cNvPr>
+          <p:cNvSpPr>
+            <a:spLocks noGrp="1"/>
+          </p:cNvSpPr>
+          <p:nvPr>
+            <p:ph type="title"/>
+          </p:nvPr>
+        </p:nvSpPr>
+        <p:spPr/>
+        <p:txBody>
+          <a:bodyPr/>
+          <a:lstStyle/>
+          <a:p>
+            <a:endParaRPr lang="en-US"/>
+          </a:p>
+        </p:txBody>
+      </p:sp>
+      <p:sp>
+        <p:nvSpPr>
+          <p:cNvPr id="3" name="Content Placeholder 2">
+            <a:extLst>
+              <a:ext uri="{FF2B5EF4-FFF2-40B4-BE49-F238E27FC236}">
+                <a16:creationId xmlns:a16="http://schemas.microsoft.com/office/drawing/2014/main" id="{8FCB7B13-DC2F-41A3-AA5B-E9CF49D56CF9}"/>
+              </a:ext>
+            </a:extLst>
+          </p:cNvPr>
+          <p:cNvSpPr>
+            <a:spLocks noGrp="1"/>
+          </p:cNvSpPr>
+          <p:nvPr>
+            <p:ph idx="1"/>
+          </p:nvPr>
+        </p:nvSpPr>
+        <p:spPr/>
+        <p:txBody>
+          <a:bodyPr/>
+          <a:lstStyle/>
+          <a:p>
+            <a:endParaRPr lang="en-US"/>
+          </a:p>
+        </p:txBody>
+      </p:sp>
+    </p:spTree>
+    <p:extLst>
+      <p:ext uri="{BB962C8B-B14F-4D97-AF65-F5344CB8AC3E}">
+        <p14:creationId xmlns:p14="http://schemas.microsoft.com/office/powerpoint/2010/main" val="3290273271"/>
+      </p:ext>
+    </p:extLst>
+  </p:cSld>
+  <p:clrMapOvr>
+    <a:masterClrMapping/>
+  </p:clrMapOvr>
+</p:sld>
+</file>
+
+<file path=ppt/slides/slide15.xml><?xml version="1.0" encoding="utf-8"?>
+<p:sld xmlns:a="http://schemas.openxmlformats.org/drawingml/2006/main" xmlns:r="http://schemas.openxmlformats.org/officeDocument/2006/relationships" xmlns:p="http://schemas.openxmlformats.org/presentationml/2006/main">
+  <p:cSld>
+    <p:spTree>
+      <p:nvGrpSpPr>
+        <p:cNvPr id="1" name=""/>
+        <p:cNvGrpSpPr/>
+        <p:nvPr/>
+      </p:nvGrpSpPr>
+      <p:grpSpPr>
+        <a:xfrm>
+          <a:off x="0" y="0"/>
+          <a:ext cx="0" cy="0"/>
+          <a:chOff x="0" y="0"/>
+          <a:chExt cx="0" cy="0"/>
+        </a:xfrm>
+      </p:grpSpPr>
+      <p:sp>
+        <p:nvSpPr>
+          <p:cNvPr id="2" name="Title 1">
+            <a:extLst>
+              <a:ext uri="{FF2B5EF4-FFF2-40B4-BE49-F238E27FC236}">
                 <a16:creationId xmlns:a16="http://schemas.microsoft.com/office/drawing/2014/main" id="{F1BA62FD-7BF8-4B1B-B5DE-3A50EA7DA0BA}"/>
               </a:ext>
             </a:extLst>
@@ -13541,7 +14132,7 @@
 </p:sld>
 </file>
 
-<file path=ppt/slides/slide11.xml><?xml version="1.0" encoding="utf-8"?>
+<file path=ppt/slides/slide16.xml><?xml version="1.0" encoding="utf-8"?>
 <p:sld xmlns:a="http://schemas.openxmlformats.org/drawingml/2006/main" xmlns:r="http://schemas.openxmlformats.org/officeDocument/2006/relationships" xmlns:p="http://schemas.openxmlformats.org/presentationml/2006/main">
   <p:cSld>
     <p:spTree>
@@ -13687,13 +14278,13 @@
         </p:nvSpPr>
         <p:spPr>
           <a:xfrm>
-            <a:off x="1251670" y="2417885"/>
-            <a:ext cx="9176008" cy="4079631"/>
+            <a:off x="1081454" y="2365131"/>
+            <a:ext cx="9258300" cy="4369777"/>
           </a:xfrm>
         </p:spPr>
         <p:txBody>
           <a:bodyPr>
-            <a:normAutofit fontScale="92500" lnSpcReduction="10000"/>
+            <a:normAutofit/>
           </a:bodyPr>
           <a:lstStyle/>
           <a:p>
@@ -13702,7 +14293,52 @@
                 <a:latin typeface="Times New Roman" panose="02020603050405020304" pitchFamily="18" charset="0"/>
                 <a:cs typeface="Times New Roman" panose="02020603050405020304" pitchFamily="18" charset="0"/>
               </a:rPr>
-              <a:t>Objective</a:t>
+              <a:t>Business Understanding</a:t>
+            </a:r>
+          </a:p>
+          <a:p>
+            <a:r>
+              <a:rPr lang="en-US" sz="2500" dirty="0">
+                <a:latin typeface="Times New Roman" panose="02020603050405020304" pitchFamily="18" charset="0"/>
+                <a:cs typeface="Times New Roman" panose="02020603050405020304" pitchFamily="18" charset="0"/>
+              </a:rPr>
+              <a:t>Motivation</a:t>
+            </a:r>
+          </a:p>
+          <a:p>
+            <a:r>
+              <a:rPr lang="en-US" sz="2500" dirty="0">
+                <a:latin typeface="Times New Roman" panose="02020603050405020304" pitchFamily="18" charset="0"/>
+                <a:cs typeface="Times New Roman" panose="02020603050405020304" pitchFamily="18" charset="0"/>
+              </a:rPr>
+              <a:t>Scope</a:t>
+            </a:r>
+          </a:p>
+          <a:p>
+            <a:r>
+              <a:rPr lang="en-US" sz="2500" dirty="0">
+                <a:latin typeface="Times New Roman" panose="02020603050405020304" pitchFamily="18" charset="0"/>
+                <a:cs typeface="Times New Roman" panose="02020603050405020304" pitchFamily="18" charset="0"/>
+              </a:rPr>
+              <a:t>Drawbacks</a:t>
+            </a:r>
+          </a:p>
+          <a:p>
+            <a:r>
+              <a:rPr lang="en-US" sz="2500" dirty="0">
+                <a:latin typeface="Times New Roman" panose="02020603050405020304" pitchFamily="18" charset="0"/>
+                <a:cs typeface="Times New Roman" panose="02020603050405020304" pitchFamily="18" charset="0"/>
+              </a:rPr>
+              <a:t>Problem Objective</a:t>
+            </a:r>
+          </a:p>
+          <a:p>
+            <a:r>
+              <a:rPr lang="en-US" sz="2500" dirty="0">
+                <a:latin typeface="Times New Roman" panose="02020603050405020304" pitchFamily="18" charset="0"/>
+                <a:cs typeface="Times New Roman" panose="02020603050405020304" pitchFamily="18" charset="0"/>
+              </a:rPr>
+              <a:t>Goals</a:t>
             </a:r>
           </a:p>
           <a:p>
@@ -13724,60 +14360,9 @@
             </a:r>
           </a:p>
           <a:p>
-            <a:r>
-              <a:rPr lang="en-US" sz="2500" dirty="0">
-                <a:latin typeface="Times New Roman" panose="02020603050405020304" pitchFamily="18" charset="0"/>
-                <a:cs typeface="Times New Roman" panose="02020603050405020304" pitchFamily="18" charset="0"/>
-              </a:rPr>
-              <a:t>Collecting Data</a:t>
-            </a:r>
-          </a:p>
-          <a:p>
-            <a:r>
-              <a:rPr lang="en-US" sz="2500" dirty="0">
-                <a:latin typeface="Times New Roman" panose="02020603050405020304" pitchFamily="18" charset="0"/>
-                <a:cs typeface="Times New Roman" panose="02020603050405020304" pitchFamily="18" charset="0"/>
-              </a:rPr>
-              <a:t>Data Pre-Processing</a:t>
-            </a:r>
-          </a:p>
-          <a:p>
-            <a:r>
-              <a:rPr lang="en-IN" sz="2500" dirty="0">
-                <a:latin typeface="Times New Roman" panose="02020603050405020304" pitchFamily="18" charset="0"/>
-                <a:cs typeface="Times New Roman" panose="02020603050405020304" pitchFamily="18" charset="0"/>
-              </a:rPr>
-              <a:t>Cleaning Data</a:t>
-            </a:r>
-          </a:p>
-          <a:p>
-            <a:r>
-              <a:rPr lang="en-IN" sz="2500" dirty="0">
-                <a:latin typeface="Times New Roman" panose="02020603050405020304" pitchFamily="18" charset="0"/>
-                <a:cs typeface="Times New Roman" panose="02020603050405020304" pitchFamily="18" charset="0"/>
-              </a:rPr>
-              <a:t>Analysing Data</a:t>
-            </a:r>
-          </a:p>
-          <a:p>
-            <a:r>
-              <a:rPr lang="en-IN" sz="2500" dirty="0">
-                <a:latin typeface="Times New Roman" panose="02020603050405020304" pitchFamily="18" charset="0"/>
-                <a:cs typeface="Times New Roman" panose="02020603050405020304" pitchFamily="18" charset="0"/>
-              </a:rPr>
-              <a:t>Visualization</a:t>
-            </a:r>
-          </a:p>
-          <a:p>
-            <a:r>
-              <a:rPr lang="en-IN" sz="2500" dirty="0">
-                <a:latin typeface="Times New Roman" panose="02020603050405020304" pitchFamily="18" charset="0"/>
-                <a:cs typeface="Times New Roman" panose="02020603050405020304" pitchFamily="18" charset="0"/>
-              </a:rPr>
-              <a:t>Reporting</a:t>
-            </a:r>
-          </a:p>
-          <a:p>
+            <a:pPr marL="0" indent="0">
+              <a:buNone/>
+            </a:pPr>
             <a:endParaRPr lang="en-US" sz="2500" dirty="0">
               <a:latin typeface="Times New Roman" panose="02020603050405020304" pitchFamily="18" charset="0"/>
               <a:cs typeface="Times New Roman" panose="02020603050405020304" pitchFamily="18" charset="0"/>
@@ -13805,6 +14390,149 @@
 </file>
 
 <file path=ppt/slides/slide3.xml><?xml version="1.0" encoding="utf-8"?>
+<p:sld xmlns:a="http://schemas.openxmlformats.org/drawingml/2006/main" xmlns:r="http://schemas.openxmlformats.org/officeDocument/2006/relationships" xmlns:p="http://schemas.openxmlformats.org/presentationml/2006/main">
+  <p:cSld>
+    <p:spTree>
+      <p:nvGrpSpPr>
+        <p:cNvPr id="1" name=""/>
+        <p:cNvGrpSpPr/>
+        <p:nvPr/>
+      </p:nvGrpSpPr>
+      <p:grpSpPr>
+        <a:xfrm>
+          <a:off x="0" y="0"/>
+          <a:ext cx="0" cy="0"/>
+          <a:chOff x="0" y="0"/>
+          <a:chExt cx="0" cy="0"/>
+        </a:xfrm>
+      </p:grpSpPr>
+      <p:sp>
+        <p:nvSpPr>
+          <p:cNvPr id="2" name="Title 1">
+            <a:extLst>
+              <a:ext uri="{FF2B5EF4-FFF2-40B4-BE49-F238E27FC236}">
+                <a16:creationId xmlns:a16="http://schemas.microsoft.com/office/drawing/2014/main" id="{2A22906D-0CCE-4B70-9E65-6A225579DA7F}"/>
+              </a:ext>
+            </a:extLst>
+          </p:cNvPr>
+          <p:cNvSpPr>
+            <a:spLocks noGrp="1"/>
+          </p:cNvSpPr>
+          <p:nvPr>
+            <p:ph type="title"/>
+          </p:nvPr>
+        </p:nvSpPr>
+        <p:spPr/>
+        <p:txBody>
+          <a:bodyPr/>
+          <a:lstStyle/>
+          <a:p>
+            <a:r>
+              <a:rPr lang="en-US" dirty="0"/>
+              <a:t>Cont..</a:t>
+            </a:r>
+          </a:p>
+        </p:txBody>
+      </p:sp>
+      <p:sp>
+        <p:nvSpPr>
+          <p:cNvPr id="3" name="Content Placeholder 2">
+            <a:extLst>
+              <a:ext uri="{FF2B5EF4-FFF2-40B4-BE49-F238E27FC236}">
+                <a16:creationId xmlns:a16="http://schemas.microsoft.com/office/drawing/2014/main" id="{CA92E6B0-5EE9-446A-8A83-F44708F15EC8}"/>
+              </a:ext>
+            </a:extLst>
+          </p:cNvPr>
+          <p:cNvSpPr>
+            <a:spLocks noGrp="1"/>
+          </p:cNvSpPr>
+          <p:nvPr>
+            <p:ph idx="1"/>
+          </p:nvPr>
+        </p:nvSpPr>
+        <p:spPr/>
+        <p:txBody>
+          <a:bodyPr>
+            <a:normAutofit/>
+          </a:bodyPr>
+          <a:lstStyle/>
+          <a:p>
+            <a:r>
+              <a:rPr lang="en-US" sz="2500" dirty="0">
+                <a:latin typeface="Times New Roman" panose="02020603050405020304" pitchFamily="18" charset="0"/>
+                <a:cs typeface="Times New Roman" panose="02020603050405020304" pitchFamily="18" charset="0"/>
+              </a:rPr>
+              <a:t>Collecting Data</a:t>
+            </a:r>
+          </a:p>
+          <a:p>
+            <a:r>
+              <a:rPr lang="en-US" sz="2500" dirty="0">
+                <a:latin typeface="Times New Roman" panose="02020603050405020304" pitchFamily="18" charset="0"/>
+                <a:cs typeface="Times New Roman" panose="02020603050405020304" pitchFamily="18" charset="0"/>
+              </a:rPr>
+              <a:t>Data Pre-Processing</a:t>
+            </a:r>
+            <a:endParaRPr lang="en-IN" sz="2500" dirty="0">
+              <a:latin typeface="Times New Roman" panose="02020603050405020304" pitchFamily="18" charset="0"/>
+              <a:cs typeface="Times New Roman" panose="02020603050405020304" pitchFamily="18" charset="0"/>
+            </a:endParaRPr>
+          </a:p>
+          <a:p>
+            <a:r>
+              <a:rPr lang="en-IN" sz="2500" dirty="0">
+                <a:latin typeface="Times New Roman" panose="02020603050405020304" pitchFamily="18" charset="0"/>
+                <a:cs typeface="Times New Roman" panose="02020603050405020304" pitchFamily="18" charset="0"/>
+              </a:rPr>
+              <a:t>Cleaning Data</a:t>
+            </a:r>
+          </a:p>
+          <a:p>
+            <a:r>
+              <a:rPr lang="en-IN" sz="2500" dirty="0">
+                <a:latin typeface="Times New Roman" panose="02020603050405020304" pitchFamily="18" charset="0"/>
+                <a:cs typeface="Times New Roman" panose="02020603050405020304" pitchFamily="18" charset="0"/>
+              </a:rPr>
+              <a:t>Analysing Data</a:t>
+            </a:r>
+          </a:p>
+          <a:p>
+            <a:r>
+              <a:rPr lang="en-IN" sz="2500" dirty="0">
+                <a:latin typeface="Times New Roman" panose="02020603050405020304" pitchFamily="18" charset="0"/>
+                <a:cs typeface="Times New Roman" panose="02020603050405020304" pitchFamily="18" charset="0"/>
+              </a:rPr>
+              <a:t>Visualization</a:t>
+            </a:r>
+          </a:p>
+          <a:p>
+            <a:r>
+              <a:rPr lang="en-IN" sz="2500" dirty="0">
+                <a:latin typeface="Times New Roman" panose="02020603050405020304" pitchFamily="18" charset="0"/>
+                <a:cs typeface="Times New Roman" panose="02020603050405020304" pitchFamily="18" charset="0"/>
+              </a:rPr>
+              <a:t>Reporting</a:t>
+            </a:r>
+          </a:p>
+          <a:p>
+            <a:endParaRPr lang="en-US" dirty="0"/>
+          </a:p>
+        </p:txBody>
+      </p:sp>
+    </p:spTree>
+    <p:extLst>
+      <p:ext uri="{BB962C8B-B14F-4D97-AF65-F5344CB8AC3E}">
+        <p14:creationId xmlns:p14="http://schemas.microsoft.com/office/powerpoint/2010/main" val="1836673756"/>
+      </p:ext>
+    </p:extLst>
+  </p:cSld>
+  <p:clrMapOvr>
+    <a:masterClrMapping/>
+  </p:clrMapOvr>
+</p:sld>
+</file>
+
+<file path=ppt/slides/slide4.xml><?xml version="1.0" encoding="utf-8"?>
 <p:sld xmlns:a="http://schemas.openxmlformats.org/drawingml/2006/main" xmlns:r="http://schemas.openxmlformats.org/officeDocument/2006/relationships" xmlns:p="http://schemas.openxmlformats.org/presentationml/2006/main">
   <p:cSld>
     <p:spTree>
@@ -14099,7 +14827,7 @@
 </p:sld>
 </file>
 
-<file path=ppt/slides/slide4.xml><?xml version="1.0" encoding="utf-8"?>
+<file path=ppt/slides/slide5.xml><?xml version="1.0" encoding="utf-8"?>
 <p:sld xmlns:a="http://schemas.openxmlformats.org/drawingml/2006/main" xmlns:r="http://schemas.openxmlformats.org/officeDocument/2006/relationships" xmlns:p="http://schemas.openxmlformats.org/presentationml/2006/main">
   <p:cSld>
     <p:spTree>
@@ -14230,92 +14958,6 @@
 </p:sld>
 </file>
 
-<file path=ppt/slides/slide5.xml><?xml version="1.0" encoding="utf-8"?>
-<p:sld xmlns:a="http://schemas.openxmlformats.org/drawingml/2006/main" xmlns:r="http://schemas.openxmlformats.org/officeDocument/2006/relationships" xmlns:p="http://schemas.openxmlformats.org/presentationml/2006/main">
-  <p:cSld>
-    <p:spTree>
-      <p:nvGrpSpPr>
-        <p:cNvPr id="1" name=""/>
-        <p:cNvGrpSpPr/>
-        <p:nvPr/>
-      </p:nvGrpSpPr>
-      <p:grpSpPr>
-        <a:xfrm>
-          <a:off x="0" y="0"/>
-          <a:ext cx="0" cy="0"/>
-          <a:chOff x="0" y="0"/>
-          <a:chExt cx="0" cy="0"/>
-        </a:xfrm>
-      </p:grpSpPr>
-      <p:sp>
-        <p:nvSpPr>
-          <p:cNvPr id="2" name="Title 1">
-            <a:extLst>
-              <a:ext uri="{FF2B5EF4-FFF2-40B4-BE49-F238E27FC236}">
-                <a16:creationId xmlns:a16="http://schemas.microsoft.com/office/drawing/2014/main" id="{5E09E1A6-EBD1-4E5B-8BB3-D901BA2E44BB}"/>
-              </a:ext>
-            </a:extLst>
-          </p:cNvPr>
-          <p:cNvSpPr>
-            <a:spLocks noGrp="1"/>
-          </p:cNvSpPr>
-          <p:nvPr>
-            <p:ph type="title"/>
-          </p:nvPr>
-        </p:nvSpPr>
-        <p:spPr/>
-        <p:txBody>
-          <a:bodyPr/>
-          <a:lstStyle/>
-          <a:p>
-            <a:r>
-              <a:rPr lang="en-US" dirty="0">
-                <a:latin typeface="Times New Roman" panose="02020603050405020304" pitchFamily="18" charset="0"/>
-                <a:cs typeface="Times New Roman" panose="02020603050405020304" pitchFamily="18" charset="0"/>
-              </a:rPr>
-              <a:t>PROJECT OBJECTIVE</a:t>
-            </a:r>
-          </a:p>
-        </p:txBody>
-      </p:sp>
-      <p:sp>
-        <p:nvSpPr>
-          <p:cNvPr id="3" name="Content Placeholder 2">
-            <a:extLst>
-              <a:ext uri="{FF2B5EF4-FFF2-40B4-BE49-F238E27FC236}">
-                <a16:creationId xmlns:a16="http://schemas.microsoft.com/office/drawing/2014/main" id="{9FA00C2A-DFEC-40B6-A92C-8F4E4BCC246F}"/>
-              </a:ext>
-            </a:extLst>
-          </p:cNvPr>
-          <p:cNvSpPr>
-            <a:spLocks noGrp="1"/>
-          </p:cNvSpPr>
-          <p:nvPr>
-            <p:ph idx="1"/>
-          </p:nvPr>
-        </p:nvSpPr>
-        <p:spPr/>
-        <p:txBody>
-          <a:bodyPr/>
-          <a:lstStyle/>
-          <a:p>
-            <a:endParaRPr lang="en-US" dirty="0"/>
-          </a:p>
-        </p:txBody>
-      </p:sp>
-    </p:spTree>
-    <p:extLst>
-      <p:ext uri="{BB962C8B-B14F-4D97-AF65-F5344CB8AC3E}">
-        <p14:creationId xmlns:p14="http://schemas.microsoft.com/office/powerpoint/2010/main" val="3752626626"/>
-      </p:ext>
-    </p:extLst>
-  </p:cSld>
-  <p:clrMapOvr>
-    <a:masterClrMapping/>
-  </p:clrMapOvr>
-</p:sld>
-</file>
-
 <file path=ppt/slides/slide6.xml><?xml version="1.0" encoding="utf-8"?>
 <p:sld xmlns:a="http://schemas.openxmlformats.org/drawingml/2006/main" xmlns:r="http://schemas.openxmlformats.org/officeDocument/2006/relationships" xmlns:p="http://schemas.openxmlformats.org/presentationml/2006/main">
   <p:cSld>
@@ -14338,7 +14980,7 @@
           <p:cNvPr id="2" name="Title 1">
             <a:extLst>
               <a:ext uri="{FF2B5EF4-FFF2-40B4-BE49-F238E27FC236}">
-                <a16:creationId xmlns:a16="http://schemas.microsoft.com/office/drawing/2014/main" id="{8FD38F3D-1F76-4BEC-87C9-ACA486A0000B}"/>
+                <a16:creationId xmlns:a16="http://schemas.microsoft.com/office/drawing/2014/main" id="{9F3D7C06-0E87-442A-B8BB-9F3F4510707A}"/>
               </a:ext>
             </a:extLst>
           </p:cNvPr>
@@ -14355,11 +14997,8 @@
           <a:lstStyle/>
           <a:p>
             <a:r>
-              <a:rPr lang="en-US" dirty="0">
-                <a:latin typeface="Times New Roman" panose="02020603050405020304" pitchFamily="18" charset="0"/>
-                <a:cs typeface="Times New Roman" panose="02020603050405020304" pitchFamily="18" charset="0"/>
-              </a:rPr>
-              <a:t>PROBLEM DESCRIPTION</a:t>
+              <a:rPr lang="en-US" dirty="0"/>
+              <a:t>BUSINESS UNDERSTANDING</a:t>
             </a:r>
           </a:p>
         </p:txBody>
@@ -14369,7 +15008,7 @@
           <p:cNvPr id="3" name="Content Placeholder 2">
             <a:extLst>
               <a:ext uri="{FF2B5EF4-FFF2-40B4-BE49-F238E27FC236}">
-                <a16:creationId xmlns:a16="http://schemas.microsoft.com/office/drawing/2014/main" id="{BFFDD785-D465-4692-AA42-1B1954966D74}"/>
+                <a16:creationId xmlns:a16="http://schemas.microsoft.com/office/drawing/2014/main" id="{D7DEA6E9-2BC5-47A6-81A2-2424A6EC2FAA}"/>
               </a:ext>
             </a:extLst>
           </p:cNvPr>
@@ -14380,16 +15019,9 @@
             <p:ph idx="1"/>
           </p:nvPr>
         </p:nvSpPr>
-        <p:spPr>
-          <a:xfrm>
-            <a:off x="1154954" y="2365131"/>
-            <a:ext cx="9888184" cy="4202723"/>
-          </a:xfrm>
-        </p:spPr>
+        <p:spPr/>
         <p:txBody>
-          <a:bodyPr>
-            <a:normAutofit/>
-          </a:bodyPr>
+          <a:bodyPr/>
           <a:lstStyle/>
           <a:p>
             <a:r>
@@ -14397,59 +15029,14 @@
                 <a:latin typeface="Times New Roman" panose="02020603050405020304" pitchFamily="18" charset="0"/>
                 <a:cs typeface="Times New Roman" panose="02020603050405020304" pitchFamily="18" charset="0"/>
               </a:rPr>
-              <a:t>In this problem, we have been provided with information about various </a:t>
+              <a:t>While employers get high response to their posting, it is difficult to go through a high number of applications for the employers. They might need to go through high number of applications to shortlist the most relevant candidates. Hence an intelligent matching algorithm can help our users get better experience and enhance chances of meaningful profile matches.</a:t>
             </a:r>
-            <a:r>
-              <a:rPr lang="en-IN" sz="2500" b="1" dirty="0">
-                <a:latin typeface="Times New Roman" panose="02020603050405020304" pitchFamily="18" charset="0"/>
-                <a:cs typeface="Times New Roman" panose="02020603050405020304" pitchFamily="18" charset="0"/>
-              </a:rPr>
-              <a:t>internships posted</a:t>
-            </a:r>
-            <a:r>
-              <a:rPr lang="en-IN" sz="2500" dirty="0">
-                <a:latin typeface="Times New Roman" panose="02020603050405020304" pitchFamily="18" charset="0"/>
-                <a:cs typeface="Times New Roman" panose="02020603050405020304" pitchFamily="18" charset="0"/>
-              </a:rPr>
-              <a:t> on Internshala. (This includes various attributes about the internships like location, duration, start_date of internship etc.)</a:t>
-            </a:r>
-          </a:p>
-          <a:p>
-            <a:r>
-              <a:rPr lang="en-IN" sz="2500" dirty="0">
-                <a:latin typeface="Times New Roman" panose="02020603050405020304" pitchFamily="18" charset="0"/>
-                <a:cs typeface="Times New Roman" panose="02020603050405020304" pitchFamily="18" charset="0"/>
-              </a:rPr>
-              <a:t>We have also been provided information about the </a:t>
-            </a:r>
-            <a:r>
-              <a:rPr lang="en-IN" sz="2500" b="1" dirty="0">
-                <a:latin typeface="Times New Roman" panose="02020603050405020304" pitchFamily="18" charset="0"/>
-                <a:cs typeface="Times New Roman" panose="02020603050405020304" pitchFamily="18" charset="0"/>
-              </a:rPr>
-              <a:t>students who have applied</a:t>
-            </a:r>
-            <a:r>
-              <a:rPr lang="en-IN" sz="2500" dirty="0">
-                <a:latin typeface="Times New Roman" panose="02020603050405020304" pitchFamily="18" charset="0"/>
-                <a:cs typeface="Times New Roman" panose="02020603050405020304" pitchFamily="18" charset="0"/>
-              </a:rPr>
-              <a:t> for the internship. (These include type_of_institute, current_year, academic performance of the student etc.)</a:t>
-            </a:r>
-          </a:p>
-          <a:p>
-            <a:r>
-              <a:rPr lang="en-IN" sz="2500" dirty="0">
-                <a:latin typeface="Times New Roman" panose="02020603050405020304" pitchFamily="18" charset="0"/>
-                <a:cs typeface="Times New Roman" panose="02020603050405020304" pitchFamily="18" charset="0"/>
-              </a:rPr>
-              <a:t>Any student is free to apply for any internship on the portal.</a:t>
-            </a:r>
-          </a:p>
-          <a:p>
-            <a:pPr marL="0" indent="0">
-              <a:buNone/>
-            </a:pPr>
+            <a:endParaRPr lang="en-US" sz="2500" dirty="0">
+              <a:latin typeface="Times New Roman" panose="02020603050405020304" pitchFamily="18" charset="0"/>
+              <a:cs typeface="Times New Roman" panose="02020603050405020304" pitchFamily="18" charset="0"/>
+            </a:endParaRPr>
+          </a:p>
+          <a:p>
             <a:endParaRPr lang="en-US" dirty="0"/>
           </a:p>
         </p:txBody>
@@ -14457,7 +15044,7 @@
     </p:spTree>
     <p:extLst>
       <p:ext uri="{BB962C8B-B14F-4D97-AF65-F5344CB8AC3E}">
-        <p14:creationId xmlns:p14="http://schemas.microsoft.com/office/powerpoint/2010/main" val="849782412"/>
+        <p14:creationId xmlns:p14="http://schemas.microsoft.com/office/powerpoint/2010/main" val="2799894569"/>
       </p:ext>
     </p:extLst>
   </p:cSld>
@@ -14489,7 +15076,7 @@
           <p:cNvPr id="2" name="Title 1">
             <a:extLst>
               <a:ext uri="{FF2B5EF4-FFF2-40B4-BE49-F238E27FC236}">
-                <a16:creationId xmlns:a16="http://schemas.microsoft.com/office/drawing/2014/main" id="{A1D0522E-FB13-4439-8357-4F42FF3BAB52}"/>
+                <a16:creationId xmlns:a16="http://schemas.microsoft.com/office/drawing/2014/main" id="{34F5B572-D162-4BD8-84B0-D1351E42C131}"/>
               </a:ext>
             </a:extLst>
           </p:cNvPr>
@@ -14506,11 +15093,8 @@
           <a:lstStyle/>
           <a:p>
             <a:r>
-              <a:rPr lang="en-US" dirty="0">
-                <a:latin typeface="Times New Roman" panose="02020603050405020304" pitchFamily="18" charset="0"/>
-                <a:cs typeface="Times New Roman" panose="02020603050405020304" pitchFamily="18" charset="0"/>
-              </a:rPr>
-              <a:t>GOAL</a:t>
+              <a:rPr lang="en-US" dirty="0"/>
+              <a:t>MOTIVATION</a:t>
             </a:r>
           </a:p>
         </p:txBody>
@@ -14520,7 +15104,7 @@
           <p:cNvPr id="3" name="Content Placeholder 2">
             <a:extLst>
               <a:ext uri="{FF2B5EF4-FFF2-40B4-BE49-F238E27FC236}">
-                <a16:creationId xmlns:a16="http://schemas.microsoft.com/office/drawing/2014/main" id="{D06505A1-D6B2-4F00-9C58-2CC284108596}"/>
+                <a16:creationId xmlns:a16="http://schemas.microsoft.com/office/drawing/2014/main" id="{A10E11D5-0C25-497F-A827-9C3C7EB43748}"/>
               </a:ext>
             </a:extLst>
           </p:cNvPr>
@@ -14534,28 +15118,27 @@
         <p:spPr/>
         <p:txBody>
           <a:bodyPr>
-            <a:normAutofit/>
+            <a:normAutofit fontScale="92500"/>
           </a:bodyPr>
           <a:lstStyle/>
           <a:p>
             <a:r>
-              <a:rPr lang="en-IN" sz="2500" i="1" dirty="0">
+              <a:rPr lang="en-US" sz="2500" dirty="0">
                 <a:latin typeface="Times New Roman" panose="02020603050405020304" pitchFamily="18" charset="0"/>
                 <a:cs typeface="Times New Roman" panose="02020603050405020304" pitchFamily="18" charset="0"/>
               </a:rPr>
-              <a:t>While employers get high response to their posting, it is difficult to go through a high number of applications for the employers. They might need to go through high number of applications to shortlist the most relevant candidates. Hence an intelligent matching algorithm can help our users get better experience and enhance chances of meaningful profile matches.</a:t>
+              <a:t>The main motivation for us to go for this project was that a lot of internships are provided on Internshala and a lot of applications for these internship are there, now if it the selection of the application is done manually it will consume lots of time and man-power and there are chances of human error. It is not possible to reduce the error of selection completely but if we can design a programme to select the most suitable candidate for a given internship then we ca reduce the time consumed and the workload and as it is being done by a machine the chances of error will also will be reduced and that is our goal.</a:t>
             </a:r>
-            <a:endParaRPr lang="en-US" sz="2500" dirty="0">
-              <a:latin typeface="Times New Roman" panose="02020603050405020304" pitchFamily="18" charset="0"/>
-              <a:cs typeface="Times New Roman" panose="02020603050405020304" pitchFamily="18" charset="0"/>
-            </a:endParaRPr>
+          </a:p>
+          <a:p>
+            <a:endParaRPr lang="en-US" dirty="0"/>
           </a:p>
         </p:txBody>
       </p:sp>
     </p:spTree>
     <p:extLst>
       <p:ext uri="{BB962C8B-B14F-4D97-AF65-F5344CB8AC3E}">
-        <p14:creationId xmlns:p14="http://schemas.microsoft.com/office/powerpoint/2010/main" val="3037698774"/>
+        <p14:creationId xmlns:p14="http://schemas.microsoft.com/office/powerpoint/2010/main" val="2631774592"/>
       </p:ext>
     </p:extLst>
   </p:cSld>
@@ -14587,7 +15170,7 @@
           <p:cNvPr id="2" name="Title 1">
             <a:extLst>
               <a:ext uri="{FF2B5EF4-FFF2-40B4-BE49-F238E27FC236}">
-                <a16:creationId xmlns:a16="http://schemas.microsoft.com/office/drawing/2014/main" id="{6D93EC3F-03B4-4A0C-A0C9-8955B04712EA}"/>
+                <a16:creationId xmlns:a16="http://schemas.microsoft.com/office/drawing/2014/main" id="{9D97672D-0F9B-444C-A0E7-A707A201241C}"/>
               </a:ext>
             </a:extLst>
           </p:cNvPr>
@@ -14604,11 +15187,8 @@
           <a:lstStyle/>
           <a:p>
             <a:r>
-              <a:rPr lang="en-IN" dirty="0">
-                <a:latin typeface="Times New Roman" panose="02020603050405020304" pitchFamily="18" charset="0"/>
-                <a:cs typeface="Times New Roman" panose="02020603050405020304" pitchFamily="18" charset="0"/>
-              </a:rPr>
-              <a:t>DATA DESCRIPTION </a:t>
+              <a:rPr lang="en-US" dirty="0"/>
+              <a:t>SCOPE</a:t>
             </a:r>
           </a:p>
         </p:txBody>
@@ -14618,7 +15198,7 @@
           <p:cNvPr id="3" name="Content Placeholder 2">
             <a:extLst>
               <a:ext uri="{FF2B5EF4-FFF2-40B4-BE49-F238E27FC236}">
-                <a16:creationId xmlns:a16="http://schemas.microsoft.com/office/drawing/2014/main" id="{DD848D02-4045-4D99-9983-32481BA527AE}"/>
+                <a16:creationId xmlns:a16="http://schemas.microsoft.com/office/drawing/2014/main" id="{3415E71A-39AC-44D8-97B0-3946C153DB7D}"/>
               </a:ext>
             </a:extLst>
           </p:cNvPr>
@@ -14631,52 +15211,61 @@
         </p:nvSpPr>
         <p:spPr>
           <a:xfrm>
-            <a:off x="1154954" y="2524368"/>
-            <a:ext cx="8825659" cy="3876431"/>
+            <a:off x="1019908" y="2453054"/>
+            <a:ext cx="10621107" cy="3982915"/>
           </a:xfrm>
         </p:spPr>
         <p:txBody>
           <a:bodyPr>
-            <a:normAutofit/>
+            <a:normAutofit lnSpcReduction="10000"/>
           </a:bodyPr>
           <a:lstStyle/>
           <a:p>
             <a:r>
-              <a:rPr lang="en-IN" b="1" dirty="0"/>
-              <a:t>Internship.csv</a:t>
+              <a:rPr lang="en-US" sz="2500" dirty="0">
+                <a:latin typeface="Times New Roman" panose="02020603050405020304" pitchFamily="18" charset="0"/>
+                <a:cs typeface="Times New Roman" panose="02020603050405020304" pitchFamily="18" charset="0"/>
+              </a:rPr>
+              <a:t>The scope of our analysis is that we can reduce the workload for the company while selecting the most suitable interns for them among all the applicants. This is so, as based on our analysis we can find out those attributes which are most significant for the selection of the applicants thus helping us to focus on only those attributes rather than wasting our effort and time on other unrelated areas. Thus it will help as follows:</a:t>
             </a:r>
+          </a:p>
+          <a:p>
+            <a:pPr lvl="1">
+              <a:buFont typeface="Wingdings" panose="05000000000000000000" pitchFamily="2" charset="2"/>
+              <a:buChar char="q"/>
+            </a:pPr>
             <a:r>
-              <a:rPr lang="en-IN" dirty="0"/>
-              <a:t> - includes the details of all the internships posted on Internshala. These details are filled by the company floating the Internship. Each row represents one internship.</a:t>
+              <a:rPr lang="en-US" sz="2200" dirty="0">
+                <a:latin typeface="Times New Roman" panose="02020603050405020304" pitchFamily="18" charset="0"/>
+                <a:cs typeface="Times New Roman" panose="02020603050405020304" pitchFamily="18" charset="0"/>
+              </a:rPr>
+              <a:t>Reduce the workload.</a:t>
             </a:r>
           </a:p>
           <a:p>
-            <a:pPr marL="0" indent="0">
-              <a:buNone/>
+            <a:pPr lvl="1">
+              <a:buFont typeface="Wingdings" panose="05000000000000000000" pitchFamily="2" charset="2"/>
+              <a:buChar char="q"/>
             </a:pPr>
-            <a:endParaRPr lang="en-IN" dirty="0"/>
-          </a:p>
-          <a:p>
             <a:r>
-              <a:rPr lang="en-IN" b="1" dirty="0"/>
-              <a:t>Student.csv</a:t>
+              <a:rPr lang="en-US" sz="2200" dirty="0">
+                <a:latin typeface="Times New Roman" panose="02020603050405020304" pitchFamily="18" charset="0"/>
+                <a:cs typeface="Times New Roman" panose="02020603050405020304" pitchFamily="18" charset="0"/>
+              </a:rPr>
+              <a:t>Reduce the time consumed while selecting the suitable candidates.</a:t>
             </a:r>
+          </a:p>
+          <a:p>
+            <a:pPr lvl="1">
+              <a:buFont typeface="Wingdings" panose="05000000000000000000" pitchFamily="2" charset="2"/>
+              <a:buChar char="q"/>
+            </a:pPr>
             <a:r>
-              <a:rPr lang="en-IN" dirty="0"/>
-              <a:t> - includes details of the students applying for the internship. These details have been filled by the student. Each row represents an experience of the student. In case the student has not filled any experience, there would be only one row containing details of student.</a:t>
-            </a:r>
-          </a:p>
-          <a:p>
-            <a:endParaRPr lang="en-IN" dirty="0"/>
-          </a:p>
-          <a:p>
-            <a:r>
-              <a:rPr lang="en-IN" b="1" dirty="0"/>
-              <a:t>test.csv &amp; train.csv</a:t>
-            </a:r>
-            <a:r>
-              <a:rPr lang="en-IN" dirty="0"/>
-              <a:t> - include the application details (as applied by student) and the shortlist outcome</a:t>
+              <a:rPr lang="en-US" sz="2200" dirty="0">
+                <a:latin typeface="Times New Roman" panose="02020603050405020304" pitchFamily="18" charset="0"/>
+                <a:cs typeface="Times New Roman" panose="02020603050405020304" pitchFamily="18" charset="0"/>
+              </a:rPr>
+              <a:t>It can also be used by the applicants to know which are the more suitable internship for them.</a:t>
             </a:r>
           </a:p>
           <a:p>
@@ -14687,7 +15276,7 @@
     </p:spTree>
     <p:extLst>
       <p:ext uri="{BB962C8B-B14F-4D97-AF65-F5344CB8AC3E}">
-        <p14:creationId xmlns:p14="http://schemas.microsoft.com/office/powerpoint/2010/main" val="3144939801"/>
+        <p14:creationId xmlns:p14="http://schemas.microsoft.com/office/powerpoint/2010/main" val="3661531305"/>
       </p:ext>
     </p:extLst>
   </p:cSld>
@@ -14719,7 +15308,7 @@
           <p:cNvPr id="2" name="Title 1">
             <a:extLst>
               <a:ext uri="{FF2B5EF4-FFF2-40B4-BE49-F238E27FC236}">
-                <a16:creationId xmlns:a16="http://schemas.microsoft.com/office/drawing/2014/main" id="{55524B90-216A-4C74-86B9-1D9215EDA3D7}"/>
+                <a16:creationId xmlns:a16="http://schemas.microsoft.com/office/drawing/2014/main" id="{462F5747-D54C-47B3-9070-15C9006BD0D3}"/>
               </a:ext>
             </a:extLst>
           </p:cNvPr>
@@ -14735,7 +15324,10 @@
           <a:bodyPr/>
           <a:lstStyle/>
           <a:p>
-            <a:endParaRPr lang="en-US"/>
+            <a:r>
+              <a:rPr lang="en-US" dirty="0"/>
+              <a:t>DRAWBACKS</a:t>
+            </a:r>
           </a:p>
         </p:txBody>
       </p:sp>
@@ -14744,7 +15336,7 @@
           <p:cNvPr id="3" name="Content Placeholder 2">
             <a:extLst>
               <a:ext uri="{FF2B5EF4-FFF2-40B4-BE49-F238E27FC236}">
-                <a16:creationId xmlns:a16="http://schemas.microsoft.com/office/drawing/2014/main" id="{8FCB7B13-DC2F-41A3-AA5B-E9CF49D56CF9}"/>
+                <a16:creationId xmlns:a16="http://schemas.microsoft.com/office/drawing/2014/main" id="{B3E82549-4E26-48A9-81DB-7666D3FFDA8E}"/>
               </a:ext>
             </a:extLst>
           </p:cNvPr>
@@ -14757,17 +15349,40 @@
         </p:nvSpPr>
         <p:spPr/>
         <p:txBody>
-          <a:bodyPr/>
+          <a:bodyPr>
+            <a:normAutofit/>
+          </a:bodyPr>
           <a:lstStyle/>
           <a:p>
-            <a:endParaRPr lang="en-US"/>
+            <a:r>
+              <a:rPr lang="en-US" sz="2500" dirty="0">
+                <a:latin typeface="Times New Roman" panose="02020603050405020304" pitchFamily="18" charset="0"/>
+                <a:cs typeface="Times New Roman" panose="02020603050405020304" pitchFamily="18" charset="0"/>
+              </a:rPr>
+              <a:t>These days the selection for the internship is done manually which consumes more time. </a:t>
+            </a:r>
+          </a:p>
+          <a:p>
+            <a:r>
+              <a:rPr lang="en-US" sz="2500" dirty="0">
+                <a:latin typeface="Times New Roman" panose="02020603050405020304" pitchFamily="18" charset="0"/>
+                <a:cs typeface="Times New Roman" panose="02020603050405020304" pitchFamily="18" charset="0"/>
+              </a:rPr>
+              <a:t>These days the number of domains for which you can apply is increasing and the criteria for applying for an intern as well as the specification which the applicants are searching for has increased a lot thus increasing the chance of error while selecting the most suitable applicants.   </a:t>
+            </a:r>
+          </a:p>
+          <a:p>
+            <a:endParaRPr lang="en-US" sz="2500" dirty="0">
+              <a:latin typeface="Times New Roman" panose="02020603050405020304" pitchFamily="18" charset="0"/>
+              <a:cs typeface="Times New Roman" panose="02020603050405020304" pitchFamily="18" charset="0"/>
+            </a:endParaRPr>
           </a:p>
         </p:txBody>
       </p:sp>
     </p:spTree>
     <p:extLst>
       <p:ext uri="{BB962C8B-B14F-4D97-AF65-F5344CB8AC3E}">
-        <p14:creationId xmlns:p14="http://schemas.microsoft.com/office/powerpoint/2010/main" val="3290273271"/>
+        <p14:creationId xmlns:p14="http://schemas.microsoft.com/office/powerpoint/2010/main" val="4018365211"/>
       </p:ext>
     </p:extLst>
   </p:cSld>

--- a/Presentation1.pptx
+++ b/Presentation1.pptx
@@ -11,20 +11,23 @@
     <p:sldId id="260" r:id="rId5"/>
     <p:sldId id="271" r:id="rId6"/>
     <p:sldId id="267" r:id="rId7"/>
-    <p:sldId id="268" r:id="rId8"/>
-    <p:sldId id="259" r:id="rId9"/>
+    <p:sldId id="259" r:id="rId8"/>
+    <p:sldId id="268" r:id="rId9"/>
     <p:sldId id="261" r:id="rId10"/>
     <p:sldId id="270" r:id="rId11"/>
-    <p:sldId id="262" r:id="rId12"/>
-    <p:sldId id="263" r:id="rId13"/>
-    <p:sldId id="264" r:id="rId14"/>
-    <p:sldId id="272" r:id="rId15"/>
-    <p:sldId id="258" r:id="rId16"/>
-    <p:sldId id="266" r:id="rId17"/>
-    <p:sldId id="265" r:id="rId18"/>
-    <p:sldId id="273" r:id="rId19"/>
-    <p:sldId id="274" r:id="rId20"/>
-    <p:sldId id="275" r:id="rId21"/>
+    <p:sldId id="265" r:id="rId12"/>
+    <p:sldId id="258" r:id="rId13"/>
+    <p:sldId id="266" r:id="rId14"/>
+    <p:sldId id="262" r:id="rId15"/>
+    <p:sldId id="263" r:id="rId16"/>
+    <p:sldId id="264" r:id="rId17"/>
+    <p:sldId id="272" r:id="rId18"/>
+    <p:sldId id="274" r:id="rId19"/>
+    <p:sldId id="276" r:id="rId20"/>
+    <p:sldId id="278" r:id="rId21"/>
+    <p:sldId id="279" r:id="rId22"/>
+    <p:sldId id="280" r:id="rId23"/>
+    <p:sldId id="275" r:id="rId24"/>
   </p:sldIdLst>
   <p:sldSz cx="12192000" cy="6858000"/>
   <p:notesSz cx="6858000" cy="9144000"/>
@@ -134,23 +137,22 @@
             <p14:sldId id="260"/>
             <p14:sldId id="271"/>
             <p14:sldId id="267"/>
+            <p14:sldId id="259"/>
             <p14:sldId id="268"/>
-            <p14:sldId id="259"/>
             <p14:sldId id="261"/>
             <p14:sldId id="270"/>
+            <p14:sldId id="265"/>
+            <p14:sldId id="258"/>
+            <p14:sldId id="266"/>
             <p14:sldId id="262"/>
             <p14:sldId id="263"/>
             <p14:sldId id="264"/>
             <p14:sldId id="272"/>
-            <p14:sldId id="258"/>
-            <p14:sldId id="266"/>
-          </p14:sldIdLst>
-        </p14:section>
-        <p14:section name="Untitled Section" id="{4D34E90E-41DA-400E-861C-53A466F8867D}">
-          <p14:sldIdLst>
-            <p14:sldId id="265"/>
-            <p14:sldId id="273"/>
             <p14:sldId id="274"/>
+            <p14:sldId id="276"/>
+            <p14:sldId id="278"/>
+            <p14:sldId id="279"/>
+            <p14:sldId id="280"/>
             <p14:sldId id="275"/>
           </p14:sldIdLst>
         </p14:section>
@@ -1108,7 +1110,7 @@
               <a:latin typeface="Times New Roman" panose="02020603050405020304" pitchFamily="18" charset="0"/>
               <a:cs typeface="Times New Roman" panose="02020603050405020304" pitchFamily="18" charset="0"/>
             </a:rPr>
-            <a:t>Data Collecting</a:t>
+            <a:t>Data Collection &amp; Understanding</a:t>
           </a:r>
         </a:p>
       </dgm:t>
@@ -1151,7 +1153,7 @@
               <a:latin typeface="Times New Roman" panose="02020603050405020304" pitchFamily="18" charset="0"/>
               <a:cs typeface="Times New Roman" panose="02020603050405020304" pitchFamily="18" charset="0"/>
             </a:rPr>
-            <a:t>Pre-Processing</a:t>
+            <a:t>Pre-Processing </a:t>
           </a:r>
         </a:p>
       </dgm:t>
@@ -1190,7 +1192,7 @@
               <a:latin typeface="Times New Roman" panose="02020603050405020304" pitchFamily="18" charset="0"/>
               <a:cs typeface="Times New Roman" panose="02020603050405020304" pitchFamily="18" charset="0"/>
             </a:rPr>
-            <a:t>Data Cleaning</a:t>
+            <a:t>Data Modeling &amp; Optimization</a:t>
           </a:r>
         </a:p>
       </dgm:t>
@@ -1434,7 +1436,7 @@
               <a:latin typeface="Times New Roman" panose="02020603050405020304" pitchFamily="18" charset="0"/>
               <a:cs typeface="Times New Roman" panose="02020603050405020304" pitchFamily="18" charset="0"/>
             </a:rPr>
-            <a:t>Data Collecting</a:t>
+            <a:t>Data Collection &amp; Understanding</a:t>
           </a:r>
         </a:p>
       </dsp:txBody>
@@ -1542,7 +1544,7 @@
               <a:latin typeface="Times New Roman" panose="02020603050405020304" pitchFamily="18" charset="0"/>
               <a:cs typeface="Times New Roman" panose="02020603050405020304" pitchFamily="18" charset="0"/>
             </a:rPr>
-            <a:t>Pre-Processing</a:t>
+            <a:t>Pre-Processing </a:t>
           </a:r>
         </a:p>
       </dsp:txBody>
@@ -1646,7 +1648,7 @@
               <a:latin typeface="Times New Roman" panose="02020603050405020304" pitchFamily="18" charset="0"/>
               <a:cs typeface="Times New Roman" panose="02020603050405020304" pitchFamily="18" charset="0"/>
             </a:rPr>
-            <a:t>Data Cleaning</a:t>
+            <a:t>Data Modeling &amp; Optimization</a:t>
           </a:r>
         </a:p>
       </dsp:txBody>
@@ -10436,8 +10438,8 @@
         </p:nvSpPr>
         <p:spPr>
           <a:xfrm>
-            <a:off x="79131" y="0"/>
-            <a:ext cx="11939953" cy="6638191"/>
+            <a:off x="79131" y="158262"/>
+            <a:ext cx="12027877" cy="6479929"/>
           </a:xfrm>
         </p:spPr>
         <p:txBody>
@@ -10453,7 +10455,41 @@
             </a:endParaRPr>
           </a:p>
           <a:p>
-            <a:pPr algn="ctr"/>
+            <a:r>
+              <a:rPr lang="en-US" sz="4800" b="1" dirty="0">
+                <a:latin typeface="Times New Roman" panose="02020603050405020304" pitchFamily="18" charset="0"/>
+                <a:cs typeface="Times New Roman" panose="02020603050405020304" pitchFamily="18" charset="0"/>
+              </a:rPr>
+              <a:t>HR Case Study</a:t>
+            </a:r>
+          </a:p>
+          <a:p>
+            <a:r>
+              <a:rPr lang="en-US" sz="4800" b="1" dirty="0">
+                <a:latin typeface="Times New Roman" panose="02020603050405020304" pitchFamily="18" charset="0"/>
+                <a:cs typeface="Times New Roman" panose="02020603050405020304" pitchFamily="18" charset="0"/>
+              </a:rPr>
+              <a:t> </a:t>
+            </a:r>
+            <a:r>
+              <a:rPr lang="en-US" sz="3600" b="1" dirty="0">
+                <a:solidFill>
+                  <a:srgbClr val="0070C0"/>
+                </a:solidFill>
+                <a:latin typeface="Times New Roman" panose="02020603050405020304" pitchFamily="18" charset="0"/>
+                <a:cs typeface="Times New Roman" panose="02020603050405020304" pitchFamily="18" charset="0"/>
+              </a:rPr>
+              <a:t>Matching HRs with right Interns</a:t>
+            </a:r>
+            <a:endParaRPr lang="en-US" sz="3800" b="1" dirty="0">
+              <a:solidFill>
+                <a:srgbClr val="0070C0"/>
+              </a:solidFill>
+              <a:latin typeface="Times New Roman" panose="02020603050405020304" pitchFamily="18" charset="0"/>
+              <a:cs typeface="Times New Roman" panose="02020603050405020304" pitchFamily="18" charset="0"/>
+            </a:endParaRPr>
+          </a:p>
+          <a:p>
             <a:endParaRPr lang="en-US" sz="5500" dirty="0">
               <a:latin typeface="Times New Roman" panose="02020603050405020304" pitchFamily="18" charset="0"/>
               <a:cs typeface="Times New Roman" panose="02020603050405020304" pitchFamily="18" charset="0"/>
@@ -10462,29 +10498,23 @@
           <a:p>
             <a:pPr algn="ctr"/>
             <a:r>
-              <a:rPr lang="en-US" sz="4800" b="1" dirty="0">
-                <a:latin typeface="Times New Roman" panose="02020603050405020304" pitchFamily="18" charset="0"/>
-                <a:cs typeface="Times New Roman" panose="02020603050405020304" pitchFamily="18" charset="0"/>
-              </a:rPr>
-              <a:t>HR Case Study </a:t>
-            </a:r>
-          </a:p>
-          <a:p>
-            <a:pPr algn="ctr"/>
-            <a:endParaRPr lang="en-US" sz="5500" dirty="0">
-              <a:latin typeface="Times New Roman" panose="02020603050405020304" pitchFamily="18" charset="0"/>
-              <a:cs typeface="Times New Roman" panose="02020603050405020304" pitchFamily="18" charset="0"/>
-            </a:endParaRPr>
-          </a:p>
-          <a:p>
-            <a:pPr algn="ctr"/>
-            <a:r>
               <a:rPr lang="en-US" sz="1500" dirty="0">
                 <a:latin typeface="Times New Roman" panose="02020603050405020304" pitchFamily="18" charset="0"/>
                 <a:cs typeface="Times New Roman" panose="02020603050405020304" pitchFamily="18" charset="0"/>
               </a:rPr>
-              <a:t>                						  		</a:t>
-            </a:r>
+              <a:t>                		</a:t>
+            </a:r>
+            <a:r>
+              <a:rPr lang="en-US" sz="1500" b="1" dirty="0">
+                <a:latin typeface="Times New Roman" panose="02020603050405020304" pitchFamily="18" charset="0"/>
+                <a:cs typeface="Times New Roman" panose="02020603050405020304" pitchFamily="18" charset="0"/>
+              </a:rPr>
+              <a:t> 													       Project Mentor-	</a:t>
+            </a:r>
+            <a:endParaRPr lang="en-US" sz="1500" dirty="0">
+              <a:latin typeface="Times New Roman" panose="02020603050405020304" pitchFamily="18" charset="0"/>
+              <a:cs typeface="Times New Roman" panose="02020603050405020304" pitchFamily="18" charset="0"/>
+            </a:endParaRPr>
           </a:p>
           <a:p>
             <a:pPr algn="ctr"/>
@@ -10493,7 +10523,47 @@
                 <a:latin typeface="Times New Roman" panose="02020603050405020304" pitchFamily="18" charset="0"/>
                 <a:cs typeface="Times New Roman" panose="02020603050405020304" pitchFamily="18" charset="0"/>
               </a:rPr>
-              <a:t>															 </a:t>
+              <a:t>												                                                                                          </a:t>
+            </a:r>
+            <a:r>
+              <a:rPr lang="en-US" sz="1500" b="1" dirty="0">
+                <a:solidFill>
+                  <a:srgbClr val="0070C0"/>
+                </a:solidFill>
+                <a:latin typeface="Times New Roman" panose="02020603050405020304" pitchFamily="18" charset="0"/>
+                <a:cs typeface="Times New Roman" panose="02020603050405020304" pitchFamily="18" charset="0"/>
+              </a:rPr>
+              <a:t>Mr.</a:t>
+            </a:r>
+            <a:r>
+              <a:rPr lang="en-US" sz="1500" dirty="0">
+                <a:solidFill>
+                  <a:srgbClr val="0070C0"/>
+                </a:solidFill>
+                <a:latin typeface="Times New Roman" panose="02020603050405020304" pitchFamily="18" charset="0"/>
+                <a:cs typeface="Times New Roman" panose="02020603050405020304" pitchFamily="18" charset="0"/>
+              </a:rPr>
+              <a:t>  </a:t>
+            </a:r>
+            <a:r>
+              <a:rPr lang="en-US" sz="1500" b="1" dirty="0">
+                <a:solidFill>
+                  <a:srgbClr val="0070C0"/>
+                </a:solidFill>
+                <a:latin typeface="Times New Roman" panose="02020603050405020304" pitchFamily="18" charset="0"/>
+                <a:cs typeface="Times New Roman" panose="02020603050405020304" pitchFamily="18" charset="0"/>
+              </a:rPr>
+              <a:t>Rahul Pradhan</a:t>
+            </a:r>
+          </a:p>
+          <a:p>
+            <a:pPr algn="ctr"/>
+            <a:r>
+              <a:rPr lang="en-US" sz="1500" dirty="0">
+                <a:latin typeface="Times New Roman" panose="02020603050405020304" pitchFamily="18" charset="0"/>
+                <a:cs typeface="Times New Roman" panose="02020603050405020304" pitchFamily="18" charset="0"/>
+              </a:rPr>
+              <a:t>																 </a:t>
             </a:r>
             <a:r>
               <a:rPr lang="en-US" sz="1600" b="1" dirty="0">
@@ -10510,13 +10580,26 @@
                 <a:latin typeface="Times New Roman" panose="02020603050405020304" pitchFamily="18" charset="0"/>
                 <a:cs typeface="Times New Roman" panose="02020603050405020304" pitchFamily="18" charset="0"/>
               </a:rPr>
-              <a:t>																			      Nihit Jain</a:t>
+              <a:t>																			      </a:t>
+            </a:r>
+            <a:r>
+              <a:rPr lang="en-US" sz="1600" b="1" dirty="0">
+                <a:solidFill>
+                  <a:srgbClr val="0070C0"/>
+                </a:solidFill>
+                <a:latin typeface="Times New Roman" panose="02020603050405020304" pitchFamily="18" charset="0"/>
+                <a:cs typeface="Times New Roman" panose="02020603050405020304" pitchFamily="18" charset="0"/>
+              </a:rPr>
+              <a:t>Nihit Jain</a:t>
             </a:r>
           </a:p>
           <a:p>
             <a:pPr algn="ctr"/>
             <a:r>
               <a:rPr lang="en-US" sz="1600" b="1" dirty="0">
+                <a:solidFill>
+                  <a:srgbClr val="0070C0"/>
+                </a:solidFill>
                 <a:latin typeface="Times New Roman" panose="02020603050405020304" pitchFamily="18" charset="0"/>
                 <a:cs typeface="Times New Roman" panose="02020603050405020304" pitchFamily="18" charset="0"/>
               </a:rPr>
@@ -10527,6 +10610,9 @@
             <a:pPr algn="ctr"/>
             <a:r>
               <a:rPr lang="en-US" sz="1600" b="1" dirty="0">
+                <a:solidFill>
+                  <a:srgbClr val="0070C0"/>
+                </a:solidFill>
                 <a:latin typeface="Times New Roman" panose="02020603050405020304" pitchFamily="18" charset="0"/>
                 <a:cs typeface="Times New Roman" panose="02020603050405020304" pitchFamily="18" charset="0"/>
               </a:rPr>
@@ -10537,6 +10623,9 @@
             <a:pPr algn="ctr"/>
             <a:r>
               <a:rPr lang="en-US" sz="1600" b="1" dirty="0">
+                <a:solidFill>
+                  <a:srgbClr val="0070C0"/>
+                </a:solidFill>
                 <a:latin typeface="Times New Roman" panose="02020603050405020304" pitchFamily="18" charset="0"/>
                 <a:cs typeface="Times New Roman" panose="02020603050405020304" pitchFamily="18" charset="0"/>
               </a:rPr>
@@ -10752,7 +10841,7 @@
           <p:cNvPr id="2" name="Title 1">
             <a:extLst>
               <a:ext uri="{FF2B5EF4-FFF2-40B4-BE49-F238E27FC236}">
-                <a16:creationId xmlns:a16="http://schemas.microsoft.com/office/drawing/2014/main" id="{6D93EC3F-03B4-4A0C-A0C9-8955B04712EA}"/>
+                <a16:creationId xmlns:a16="http://schemas.microsoft.com/office/drawing/2014/main" id="{464002A4-D747-4322-98FA-7C9E8A410569}"/>
               </a:ext>
             </a:extLst>
           </p:cNvPr>
@@ -10765,7 +10854,7 @@
         </p:nvSpPr>
         <p:spPr>
           <a:xfrm>
-            <a:off x="1086643" y="0"/>
+            <a:off x="1484313" y="0"/>
             <a:ext cx="10018713" cy="1752599"/>
           </a:xfrm>
         </p:spPr>
@@ -10774,90 +10863,61 @@
           <a:lstStyle/>
           <a:p>
             <a:r>
-              <a:rPr lang="en-IN" dirty="0">
+              <a:rPr lang="en-US" dirty="0">
                 <a:latin typeface="Times New Roman" panose="02020603050405020304" pitchFamily="18" charset="0"/>
                 <a:cs typeface="Times New Roman" panose="02020603050405020304" pitchFamily="18" charset="0"/>
               </a:rPr>
-              <a:t>DATA FILES DESCRIPTION </a:t>
-            </a:r>
-          </a:p>
-        </p:txBody>
-      </p:sp>
-      <p:sp>
-        <p:nvSpPr>
-          <p:cNvPr id="3" name="Content Placeholder 2">
+              <a:t>IMPLIMENTATION</a:t>
+            </a:r>
+            <a:r>
+              <a:rPr lang="en-US" dirty="0"/>
+              <a:t> </a:t>
+            </a:r>
+            <a:r>
+              <a:rPr lang="en-US" dirty="0">
+                <a:latin typeface="Times New Roman" panose="02020603050405020304" pitchFamily="18" charset="0"/>
+                <a:cs typeface="Times New Roman" panose="02020603050405020304" pitchFamily="18" charset="0"/>
+              </a:rPr>
+              <a:t>PROCESS</a:t>
+            </a:r>
+          </a:p>
+        </p:txBody>
+      </p:sp>
+      <p:graphicFrame>
+        <p:nvGraphicFramePr>
+          <p:cNvPr id="4" name="Content Placeholder 3">
             <a:extLst>
               <a:ext uri="{FF2B5EF4-FFF2-40B4-BE49-F238E27FC236}">
-                <a16:creationId xmlns:a16="http://schemas.microsoft.com/office/drawing/2014/main" id="{DD848D02-4045-4D99-9983-32481BA527AE}"/>
+                <a16:creationId xmlns:a16="http://schemas.microsoft.com/office/drawing/2014/main" id="{90B66596-90B3-4278-B383-D0F0136D62A6}"/>
               </a:ext>
             </a:extLst>
           </p:cNvPr>
-          <p:cNvSpPr>
-            <a:spLocks noGrp="1"/>
-          </p:cNvSpPr>
+          <p:cNvGraphicFramePr>
+            <a:graphicFrameLocks noGrp="1"/>
+          </p:cNvGraphicFramePr>
           <p:nvPr>
             <p:ph idx="1"/>
+            <p:extLst>
+              <p:ext uri="{D42A27DB-BD31-4B8C-83A1-F6EECF244321}">
+                <p14:modId xmlns:p14="http://schemas.microsoft.com/office/powerpoint/2010/main" val="651353695"/>
+              </p:ext>
+            </p:extLst>
           </p:nvPr>
-        </p:nvSpPr>
-        <p:spPr>
-          <a:xfrm>
-            <a:off x="1436308" y="1979245"/>
-            <a:ext cx="10292630" cy="3876431"/>
-          </a:xfrm>
-        </p:spPr>
-        <p:txBody>
-          <a:bodyPr>
-            <a:normAutofit fontScale="92500" lnSpcReduction="20000"/>
-          </a:bodyPr>
-          <a:lstStyle/>
-          <a:p>
-            <a:r>
-              <a:rPr lang="en-IN" b="1" dirty="0"/>
-              <a:t>Internship.csv</a:t>
-            </a:r>
-            <a:r>
-              <a:rPr lang="en-IN" dirty="0"/>
-              <a:t> - includes the details of all the internships posted on Internshala. These details are filled by the company floating the Internship. Each row represents one internship.</a:t>
-            </a:r>
-          </a:p>
-          <a:p>
-            <a:pPr marL="0" indent="0">
-              <a:buNone/>
-            </a:pPr>
-            <a:endParaRPr lang="en-IN" dirty="0"/>
-          </a:p>
-          <a:p>
-            <a:r>
-              <a:rPr lang="en-IN" b="1" dirty="0"/>
-              <a:t>Student.csv</a:t>
-            </a:r>
-            <a:r>
-              <a:rPr lang="en-IN" dirty="0"/>
-              <a:t> - includes details of the students applying for the internship. These details have been filled by the student. Each row represents an experience of the student. In case the student has not filled any experience, there would be only one row containing details of student.</a:t>
-            </a:r>
-          </a:p>
-          <a:p>
-            <a:endParaRPr lang="en-IN" dirty="0"/>
-          </a:p>
-          <a:p>
-            <a:r>
-              <a:rPr lang="en-IN" b="1" dirty="0"/>
-              <a:t>test.csv &amp; train.csv</a:t>
-            </a:r>
-            <a:r>
-              <a:rPr lang="en-IN" dirty="0"/>
-              <a:t> - include the application details (as applied by student) and the shortlist outcome</a:t>
-            </a:r>
-          </a:p>
-          <a:p>
-            <a:endParaRPr lang="en-US" dirty="0"/>
-          </a:p>
-        </p:txBody>
-      </p:sp>
+        </p:nvGraphicFramePr>
+        <p:xfrm>
+          <a:off x="1607405" y="2104292"/>
+          <a:ext cx="10018712" cy="3124200"/>
+        </p:xfrm>
+        <a:graphic>
+          <a:graphicData uri="http://schemas.openxmlformats.org/drawingml/2006/diagram">
+            <dgm:relIds xmlns:dgm="http://schemas.openxmlformats.org/drawingml/2006/diagram" xmlns:r="http://schemas.openxmlformats.org/officeDocument/2006/relationships" r:dm="rId2" r:lo="rId3" r:qs="rId4" r:cs="rId5"/>
+          </a:graphicData>
+        </a:graphic>
+      </p:graphicFrame>
     </p:spTree>
     <p:extLst>
       <p:ext uri="{BB962C8B-B14F-4D97-AF65-F5344CB8AC3E}">
-        <p14:creationId xmlns:p14="http://schemas.microsoft.com/office/powerpoint/2010/main" val="3144939801"/>
+        <p14:creationId xmlns:p14="http://schemas.microsoft.com/office/powerpoint/2010/main" val="123213286"/>
       </p:ext>
     </p:extLst>
   </p:cSld>
@@ -10868,307 +10928,6 @@
 </file>
 
 <file path=ppt/slides/slide12.xml><?xml version="1.0" encoding="utf-8"?>
-<p:sld xmlns:a="http://schemas.openxmlformats.org/drawingml/2006/main" xmlns:r="http://schemas.openxmlformats.org/officeDocument/2006/relationships" xmlns:p="http://schemas.openxmlformats.org/presentationml/2006/main">
-  <p:cSld>
-    <p:spTree>
-      <p:nvGrpSpPr>
-        <p:cNvPr id="1" name=""/>
-        <p:cNvGrpSpPr/>
-        <p:nvPr/>
-      </p:nvGrpSpPr>
-      <p:grpSpPr>
-        <a:xfrm>
-          <a:off x="0" y="0"/>
-          <a:ext cx="0" cy="0"/>
-          <a:chOff x="0" y="0"/>
-          <a:chExt cx="0" cy="0"/>
-        </a:xfrm>
-      </p:grpSpPr>
-      <p:sp>
-        <p:nvSpPr>
-          <p:cNvPr id="3" name="Content Placeholder 2">
-            <a:extLst>
-              <a:ext uri="{FF2B5EF4-FFF2-40B4-BE49-F238E27FC236}">
-                <a16:creationId xmlns:a16="http://schemas.microsoft.com/office/drawing/2014/main" id="{8FCB7B13-DC2F-41A3-AA5B-E9CF49D56CF9}"/>
-              </a:ext>
-            </a:extLst>
-          </p:cNvPr>
-          <p:cNvSpPr>
-            <a:spLocks noGrp="1"/>
-          </p:cNvSpPr>
-          <p:nvPr>
-            <p:ph idx="1"/>
-          </p:nvPr>
-        </p:nvSpPr>
-        <p:spPr>
-          <a:xfrm>
-            <a:off x="5396340" y="5495193"/>
-            <a:ext cx="2559906" cy="492370"/>
-          </a:xfrm>
-        </p:spPr>
-        <p:txBody>
-          <a:bodyPr>
-            <a:normAutofit fontScale="92500" lnSpcReduction="10000"/>
-          </a:bodyPr>
-          <a:lstStyle/>
-          <a:p>
-            <a:r>
-              <a:rPr lang="en-IN" b="1" dirty="0"/>
-              <a:t>Internship.csv</a:t>
-            </a:r>
-          </a:p>
-          <a:p>
-            <a:pPr marL="0" indent="0">
-              <a:buNone/>
-            </a:pPr>
-            <a:endParaRPr lang="en-US" dirty="0"/>
-          </a:p>
-        </p:txBody>
-      </p:sp>
-      <p:pic>
-        <p:nvPicPr>
-          <p:cNvPr id="4" name="Picture 3">
-            <a:extLst>
-              <a:ext uri="{FF2B5EF4-FFF2-40B4-BE49-F238E27FC236}">
-                <a16:creationId xmlns:a16="http://schemas.microsoft.com/office/drawing/2014/main" id="{5B4CD189-466E-42C0-B9F2-1A96CD69A8E1}"/>
-              </a:ext>
-            </a:extLst>
-          </p:cNvPr>
-          <p:cNvPicPr>
-            <a:picLocks noChangeAspect="1"/>
-          </p:cNvPicPr>
-          <p:nvPr/>
-        </p:nvPicPr>
-        <p:blipFill>
-          <a:blip r:embed="rId2"/>
-          <a:stretch>
-            <a:fillRect/>
-          </a:stretch>
-        </p:blipFill>
-        <p:spPr>
-          <a:xfrm>
-            <a:off x="2593914" y="870437"/>
-            <a:ext cx="8353425" cy="4191000"/>
-          </a:xfrm>
-          <a:prstGeom prst="rect">
-            <a:avLst/>
-          </a:prstGeom>
-        </p:spPr>
-      </p:pic>
-    </p:spTree>
-    <p:extLst>
-      <p:ext uri="{BB962C8B-B14F-4D97-AF65-F5344CB8AC3E}">
-        <p14:creationId xmlns:p14="http://schemas.microsoft.com/office/powerpoint/2010/main" val="3290273271"/>
-      </p:ext>
-    </p:extLst>
-  </p:cSld>
-  <p:clrMapOvr>
-    <a:masterClrMapping/>
-  </p:clrMapOvr>
-</p:sld>
-</file>
-
-<file path=ppt/slides/slide13.xml><?xml version="1.0" encoding="utf-8"?>
-<p:sld xmlns:a="http://schemas.openxmlformats.org/drawingml/2006/main" xmlns:r="http://schemas.openxmlformats.org/officeDocument/2006/relationships" xmlns:p="http://schemas.openxmlformats.org/presentationml/2006/main">
-  <p:cSld>
-    <p:spTree>
-      <p:nvGrpSpPr>
-        <p:cNvPr id="1" name=""/>
-        <p:cNvGrpSpPr/>
-        <p:nvPr/>
-      </p:nvGrpSpPr>
-      <p:grpSpPr>
-        <a:xfrm>
-          <a:off x="0" y="0"/>
-          <a:ext cx="0" cy="0"/>
-          <a:chOff x="0" y="0"/>
-          <a:chExt cx="0" cy="0"/>
-        </a:xfrm>
-      </p:grpSpPr>
-      <p:sp>
-        <p:nvSpPr>
-          <p:cNvPr id="3" name="Content Placeholder 2">
-            <a:extLst>
-              <a:ext uri="{FF2B5EF4-FFF2-40B4-BE49-F238E27FC236}">
-                <a16:creationId xmlns:a16="http://schemas.microsoft.com/office/drawing/2014/main" id="{CE942175-62ED-4658-9235-2F23FC3337C0}"/>
-              </a:ext>
-            </a:extLst>
-          </p:cNvPr>
-          <p:cNvSpPr>
-            <a:spLocks noGrp="1"/>
-          </p:cNvSpPr>
-          <p:nvPr>
-            <p:ph idx="1"/>
-          </p:nvPr>
-        </p:nvSpPr>
-        <p:spPr>
-          <a:xfrm>
-            <a:off x="5189721" y="5354515"/>
-            <a:ext cx="2463190" cy="740832"/>
-          </a:xfrm>
-        </p:spPr>
-        <p:txBody>
-          <a:bodyPr/>
-          <a:lstStyle/>
-          <a:p>
-            <a:r>
-              <a:rPr lang="en-US" b="1" dirty="0"/>
-              <a:t>Student.csv</a:t>
-            </a:r>
-          </a:p>
-          <a:p>
-            <a:pPr marL="0" indent="0">
-              <a:buNone/>
-            </a:pPr>
-            <a:endParaRPr lang="en-US" b="1" dirty="0"/>
-          </a:p>
-        </p:txBody>
-      </p:sp>
-      <p:pic>
-        <p:nvPicPr>
-          <p:cNvPr id="4" name="Picture 3">
-            <a:extLst>
-              <a:ext uri="{FF2B5EF4-FFF2-40B4-BE49-F238E27FC236}">
-                <a16:creationId xmlns:a16="http://schemas.microsoft.com/office/drawing/2014/main" id="{4E415CA7-5836-4400-9C42-F5492A24D4C5}"/>
-              </a:ext>
-            </a:extLst>
-          </p:cNvPr>
-          <p:cNvPicPr>
-            <a:picLocks noChangeAspect="1"/>
-          </p:cNvPicPr>
-          <p:nvPr/>
-        </p:nvPicPr>
-        <p:blipFill>
-          <a:blip r:embed="rId2"/>
-          <a:stretch>
-            <a:fillRect/>
-          </a:stretch>
-        </p:blipFill>
-        <p:spPr>
-          <a:xfrm>
-            <a:off x="2273139" y="686253"/>
-            <a:ext cx="8524953" cy="4280948"/>
-          </a:xfrm>
-          <a:prstGeom prst="rect">
-            <a:avLst/>
-          </a:prstGeom>
-        </p:spPr>
-      </p:pic>
-    </p:spTree>
-    <p:extLst>
-      <p:ext uri="{BB962C8B-B14F-4D97-AF65-F5344CB8AC3E}">
-        <p14:creationId xmlns:p14="http://schemas.microsoft.com/office/powerpoint/2010/main" val="3638881768"/>
-      </p:ext>
-    </p:extLst>
-  </p:cSld>
-  <p:clrMapOvr>
-    <a:masterClrMapping/>
-  </p:clrMapOvr>
-</p:sld>
-</file>
-
-<file path=ppt/slides/slide14.xml><?xml version="1.0" encoding="utf-8"?>
-<p:sld xmlns:a="http://schemas.openxmlformats.org/drawingml/2006/main" xmlns:r="http://schemas.openxmlformats.org/officeDocument/2006/relationships" xmlns:p="http://schemas.openxmlformats.org/presentationml/2006/main">
-  <p:cSld>
-    <p:spTree>
-      <p:nvGrpSpPr>
-        <p:cNvPr id="1" name=""/>
-        <p:cNvGrpSpPr/>
-        <p:nvPr/>
-      </p:nvGrpSpPr>
-      <p:grpSpPr>
-        <a:xfrm>
-          <a:off x="0" y="0"/>
-          <a:ext cx="0" cy="0"/>
-          <a:chOff x="0" y="0"/>
-          <a:chExt cx="0" cy="0"/>
-        </a:xfrm>
-      </p:grpSpPr>
-      <p:sp>
-        <p:nvSpPr>
-          <p:cNvPr id="3" name="Content Placeholder 2">
-            <a:extLst>
-              <a:ext uri="{FF2B5EF4-FFF2-40B4-BE49-F238E27FC236}">
-                <a16:creationId xmlns:a16="http://schemas.microsoft.com/office/drawing/2014/main" id="{D74F5B47-DF98-4F68-ABA3-092321995490}"/>
-              </a:ext>
-            </a:extLst>
-          </p:cNvPr>
-          <p:cNvSpPr>
-            <a:spLocks noGrp="1"/>
-          </p:cNvSpPr>
-          <p:nvPr>
-            <p:ph idx="1"/>
-          </p:nvPr>
-        </p:nvSpPr>
-        <p:spPr>
-          <a:xfrm>
-            <a:off x="5477607" y="4844561"/>
-            <a:ext cx="1708392" cy="638908"/>
-          </a:xfrm>
-        </p:spPr>
-        <p:txBody>
-          <a:bodyPr>
-            <a:normAutofit/>
-          </a:bodyPr>
-          <a:lstStyle/>
-          <a:p>
-            <a:r>
-              <a:rPr lang="en-IN" b="1" dirty="0"/>
-              <a:t>train.csv</a:t>
-            </a:r>
-          </a:p>
-          <a:p>
-            <a:pPr marL="0" indent="0">
-              <a:buNone/>
-            </a:pPr>
-            <a:endParaRPr lang="en-US" dirty="0"/>
-          </a:p>
-        </p:txBody>
-      </p:sp>
-      <p:pic>
-        <p:nvPicPr>
-          <p:cNvPr id="4" name="Picture 3">
-            <a:extLst>
-              <a:ext uri="{FF2B5EF4-FFF2-40B4-BE49-F238E27FC236}">
-                <a16:creationId xmlns:a16="http://schemas.microsoft.com/office/drawing/2014/main" id="{4317FAC7-2003-4831-82E0-3CF705B1B13A}"/>
-              </a:ext>
-            </a:extLst>
-          </p:cNvPr>
-          <p:cNvPicPr>
-            <a:picLocks noChangeAspect="1"/>
-          </p:cNvPicPr>
-          <p:nvPr/>
-        </p:nvPicPr>
-        <p:blipFill>
-          <a:blip r:embed="rId2"/>
-          <a:stretch>
-            <a:fillRect/>
-          </a:stretch>
-        </p:blipFill>
-        <p:spPr>
-          <a:xfrm>
-            <a:off x="3187576" y="1571990"/>
-            <a:ext cx="6780244" cy="2858233"/>
-          </a:xfrm>
-          <a:prstGeom prst="rect">
-            <a:avLst/>
-          </a:prstGeom>
-        </p:spPr>
-      </p:pic>
-    </p:spTree>
-    <p:extLst>
-      <p:ext uri="{BB962C8B-B14F-4D97-AF65-F5344CB8AC3E}">
-        <p14:creationId xmlns:p14="http://schemas.microsoft.com/office/powerpoint/2010/main" val="2703519941"/>
-      </p:ext>
-    </p:extLst>
-  </p:cSld>
-  <p:clrMapOvr>
-    <a:masterClrMapping/>
-  </p:clrMapOvr>
-</p:sld>
-</file>
-
-<file path=ppt/slides/slide15.xml><?xml version="1.0" encoding="utf-8"?>
 <p:sld xmlns:a="http://schemas.openxmlformats.org/drawingml/2006/main" xmlns:r="http://schemas.openxmlformats.org/officeDocument/2006/relationships" xmlns:p="http://schemas.openxmlformats.org/presentationml/2006/main">
   <p:cSld>
     <p:spTree>
@@ -11475,7 +11234,7 @@
 </p:sld>
 </file>
 
-<file path=ppt/slides/slide16.xml><?xml version="1.0" encoding="utf-8"?>
+<file path=ppt/slides/slide13.xml><?xml version="1.0" encoding="utf-8"?>
 <p:sld xmlns:a="http://schemas.openxmlformats.org/drawingml/2006/main" xmlns:r="http://schemas.openxmlformats.org/officeDocument/2006/relationships" xmlns:p="http://schemas.openxmlformats.org/presentationml/2006/main">
   <p:cSld>
     <p:spTree>
@@ -11553,7 +11312,7 @@
         </p:spPr>
         <p:txBody>
           <a:bodyPr>
-            <a:normAutofit/>
+            <a:normAutofit fontScale="92500"/>
           </a:bodyPr>
           <a:lstStyle/>
           <a:p>
@@ -11562,8 +11321,49 @@
                 <a:latin typeface="Times New Roman" panose="02020603050405020304" pitchFamily="18" charset="0"/>
                 <a:cs typeface="Times New Roman" panose="02020603050405020304" pitchFamily="18" charset="0"/>
               </a:rPr>
-              <a:t>Pandas</a:t>
-            </a:r>
+              <a:t>Cleaning with R:</a:t>
+            </a:r>
+          </a:p>
+          <a:p>
+            <a:pPr lvl="1"/>
+            <a:r>
+              <a:rPr lang="en-US" sz="2100" dirty="0" err="1">
+                <a:latin typeface="Times New Roman" panose="02020603050405020304" pitchFamily="18" charset="0"/>
+                <a:cs typeface="Times New Roman" panose="02020603050405020304" pitchFamily="18" charset="0"/>
+              </a:rPr>
+              <a:t>Sqldf</a:t>
+            </a:r>
+            <a:r>
+              <a:rPr lang="en-US" sz="2100" dirty="0">
+                <a:latin typeface="Times New Roman" panose="02020603050405020304" pitchFamily="18" charset="0"/>
+                <a:cs typeface="Times New Roman" panose="02020603050405020304" pitchFamily="18" charset="0"/>
+              </a:rPr>
+              <a:t> </a:t>
+            </a:r>
+          </a:p>
+          <a:p>
+            <a:pPr lvl="1"/>
+            <a:r>
+              <a:rPr lang="en-US" sz="2100" dirty="0">
+                <a:latin typeface="Times New Roman" panose="02020603050405020304" pitchFamily="18" charset="0"/>
+                <a:cs typeface="Times New Roman" panose="02020603050405020304" pitchFamily="18" charset="0"/>
+              </a:rPr>
+              <a:t>Dummies</a:t>
+            </a:r>
+          </a:p>
+          <a:p>
+            <a:pPr lvl="1"/>
+            <a:r>
+              <a:rPr lang="en-US" sz="2100" dirty="0" err="1">
+                <a:latin typeface="Times New Roman" panose="02020603050405020304" pitchFamily="18" charset="0"/>
+                <a:cs typeface="Times New Roman" panose="02020603050405020304" pitchFamily="18" charset="0"/>
+              </a:rPr>
+              <a:t>Lubridate</a:t>
+            </a:r>
+            <a:endParaRPr lang="en-US" sz="2100" dirty="0">
+              <a:latin typeface="Times New Roman" panose="02020603050405020304" pitchFamily="18" charset="0"/>
+              <a:cs typeface="Times New Roman" panose="02020603050405020304" pitchFamily="18" charset="0"/>
+            </a:endParaRPr>
           </a:p>
           <a:p>
             <a:r>
@@ -11571,32 +11371,55 @@
                 <a:latin typeface="Times New Roman" panose="02020603050405020304" pitchFamily="18" charset="0"/>
                 <a:cs typeface="Times New Roman" panose="02020603050405020304" pitchFamily="18" charset="0"/>
               </a:rPr>
-              <a:t>NumPy</a:t>
-            </a:r>
-          </a:p>
-          <a:p>
-            <a:r>
-              <a:rPr lang="en-US" sz="2500" dirty="0">
+              <a:t>Modeling with Python:</a:t>
+            </a:r>
+          </a:p>
+          <a:p>
+            <a:pPr lvl="1"/>
+            <a:r>
+              <a:rPr lang="en-US" sz="2100" dirty="0">
                 <a:latin typeface="Times New Roman" panose="02020603050405020304" pitchFamily="18" charset="0"/>
                 <a:cs typeface="Times New Roman" panose="02020603050405020304" pitchFamily="18" charset="0"/>
               </a:rPr>
-              <a:t>Sklearn</a:t>
-            </a:r>
-          </a:p>
-          <a:p>
-            <a:r>
-              <a:rPr lang="en-US" sz="2500" dirty="0">
+              <a:t>Pandas</a:t>
+            </a:r>
+          </a:p>
+          <a:p>
+            <a:pPr lvl="1"/>
+            <a:r>
+              <a:rPr lang="en-US" sz="2100" dirty="0">
                 <a:latin typeface="Times New Roman" panose="02020603050405020304" pitchFamily="18" charset="0"/>
                 <a:cs typeface="Times New Roman" panose="02020603050405020304" pitchFamily="18" charset="0"/>
               </a:rPr>
-              <a:t>Xgboost</a:t>
-            </a:r>
-          </a:p>
-          <a:p>
-            <a:endParaRPr lang="en-US" sz="2500" dirty="0">
-              <a:latin typeface="Times New Roman" panose="02020603050405020304" pitchFamily="18" charset="0"/>
-              <a:cs typeface="Times New Roman" panose="02020603050405020304" pitchFamily="18" charset="0"/>
-            </a:endParaRPr>
+              <a:t>NumPy</a:t>
+            </a:r>
+          </a:p>
+          <a:p>
+            <a:pPr lvl="1"/>
+            <a:r>
+              <a:rPr lang="en-US" sz="2100" dirty="0" err="1">
+                <a:latin typeface="Times New Roman" panose="02020603050405020304" pitchFamily="18" charset="0"/>
+                <a:cs typeface="Times New Roman" panose="02020603050405020304" pitchFamily="18" charset="0"/>
+              </a:rPr>
+              <a:t>Scikit</a:t>
+            </a:r>
+            <a:r>
+              <a:rPr lang="en-US" sz="2100" dirty="0">
+                <a:latin typeface="Times New Roman" panose="02020603050405020304" pitchFamily="18" charset="0"/>
+                <a:cs typeface="Times New Roman" panose="02020603050405020304" pitchFamily="18" charset="0"/>
+              </a:rPr>
+              <a:t>-learn</a:t>
+            </a:r>
+          </a:p>
+          <a:p>
+            <a:pPr lvl="1"/>
+            <a:r>
+              <a:rPr lang="en-US" sz="2100" dirty="0">
+                <a:latin typeface="Times New Roman" panose="02020603050405020304" pitchFamily="18" charset="0"/>
+                <a:cs typeface="Times New Roman" panose="02020603050405020304" pitchFamily="18" charset="0"/>
+              </a:rPr>
+              <a:t>Matplotlib</a:t>
+            </a:r>
           </a:p>
         </p:txBody>
       </p:sp>
@@ -11737,6 +11560,343 @@
 </p:sld>
 </file>
 
+<file path=ppt/slides/slide14.xml><?xml version="1.0" encoding="utf-8"?>
+<p:sld xmlns:a="http://schemas.openxmlformats.org/drawingml/2006/main" xmlns:r="http://schemas.openxmlformats.org/officeDocument/2006/relationships" xmlns:p="http://schemas.openxmlformats.org/presentationml/2006/main">
+  <p:cSld>
+    <p:spTree>
+      <p:nvGrpSpPr>
+        <p:cNvPr id="1" name=""/>
+        <p:cNvGrpSpPr/>
+        <p:nvPr/>
+      </p:nvGrpSpPr>
+      <p:grpSpPr>
+        <a:xfrm>
+          <a:off x="0" y="0"/>
+          <a:ext cx="0" cy="0"/>
+          <a:chOff x="0" y="0"/>
+          <a:chExt cx="0" cy="0"/>
+        </a:xfrm>
+      </p:grpSpPr>
+      <p:sp>
+        <p:nvSpPr>
+          <p:cNvPr id="2" name="Title 1">
+            <a:extLst>
+              <a:ext uri="{FF2B5EF4-FFF2-40B4-BE49-F238E27FC236}">
+                <a16:creationId xmlns:a16="http://schemas.microsoft.com/office/drawing/2014/main" id="{6D93EC3F-03B4-4A0C-A0C9-8955B04712EA}"/>
+              </a:ext>
+            </a:extLst>
+          </p:cNvPr>
+          <p:cNvSpPr>
+            <a:spLocks noGrp="1"/>
+          </p:cNvSpPr>
+          <p:nvPr>
+            <p:ph type="title"/>
+          </p:nvPr>
+        </p:nvSpPr>
+        <p:spPr>
+          <a:xfrm>
+            <a:off x="1086643" y="0"/>
+            <a:ext cx="10018713" cy="1752599"/>
+          </a:xfrm>
+        </p:spPr>
+        <p:txBody>
+          <a:bodyPr/>
+          <a:lstStyle/>
+          <a:p>
+            <a:r>
+              <a:rPr lang="en-IN" dirty="0">
+                <a:latin typeface="Times New Roman" panose="02020603050405020304" pitchFamily="18" charset="0"/>
+                <a:cs typeface="Times New Roman" panose="02020603050405020304" pitchFamily="18" charset="0"/>
+              </a:rPr>
+              <a:t>DATA FILES DESCRIPTION </a:t>
+            </a:r>
+          </a:p>
+        </p:txBody>
+      </p:sp>
+      <p:sp>
+        <p:nvSpPr>
+          <p:cNvPr id="3" name="Content Placeholder 2">
+            <a:extLst>
+              <a:ext uri="{FF2B5EF4-FFF2-40B4-BE49-F238E27FC236}">
+                <a16:creationId xmlns:a16="http://schemas.microsoft.com/office/drawing/2014/main" id="{DD848D02-4045-4D99-9983-32481BA527AE}"/>
+              </a:ext>
+            </a:extLst>
+          </p:cNvPr>
+          <p:cNvSpPr>
+            <a:spLocks noGrp="1"/>
+          </p:cNvSpPr>
+          <p:nvPr>
+            <p:ph idx="1"/>
+          </p:nvPr>
+        </p:nvSpPr>
+        <p:spPr>
+          <a:xfrm>
+            <a:off x="1436308" y="1979245"/>
+            <a:ext cx="10292630" cy="3876431"/>
+          </a:xfrm>
+        </p:spPr>
+        <p:txBody>
+          <a:bodyPr>
+            <a:normAutofit fontScale="92500" lnSpcReduction="20000"/>
+          </a:bodyPr>
+          <a:lstStyle/>
+          <a:p>
+            <a:r>
+              <a:rPr lang="en-IN" b="1" dirty="0"/>
+              <a:t>Internship.csv</a:t>
+            </a:r>
+            <a:r>
+              <a:rPr lang="en-IN" dirty="0"/>
+              <a:t> - includes the details of all the internships posted on Internshala. These details are filled by the company floating the Internship. Each row represents one internship.</a:t>
+            </a:r>
+          </a:p>
+          <a:p>
+            <a:pPr marL="0" indent="0">
+              <a:buNone/>
+            </a:pPr>
+            <a:endParaRPr lang="en-IN" dirty="0"/>
+          </a:p>
+          <a:p>
+            <a:r>
+              <a:rPr lang="en-IN" b="1" dirty="0"/>
+              <a:t>Student.csv</a:t>
+            </a:r>
+            <a:r>
+              <a:rPr lang="en-IN" dirty="0"/>
+              <a:t> - includes details of the students applying for the internship. These details have been filled by the student. Each row represents an experience of the student. In case the student has not filled any experience, there would be only one row containing details of student.</a:t>
+            </a:r>
+          </a:p>
+          <a:p>
+            <a:endParaRPr lang="en-IN" dirty="0"/>
+          </a:p>
+          <a:p>
+            <a:r>
+              <a:rPr lang="en-IN" b="1" dirty="0"/>
+              <a:t>test.csv &amp; train.csv</a:t>
+            </a:r>
+            <a:r>
+              <a:rPr lang="en-IN" dirty="0"/>
+              <a:t> - include the application details (as applied by student) and the shortlist outcome</a:t>
+            </a:r>
+          </a:p>
+          <a:p>
+            <a:endParaRPr lang="en-US" dirty="0"/>
+          </a:p>
+        </p:txBody>
+      </p:sp>
+    </p:spTree>
+    <p:extLst>
+      <p:ext uri="{BB962C8B-B14F-4D97-AF65-F5344CB8AC3E}">
+        <p14:creationId xmlns:p14="http://schemas.microsoft.com/office/powerpoint/2010/main" val="3144939801"/>
+      </p:ext>
+    </p:extLst>
+  </p:cSld>
+  <p:clrMapOvr>
+    <a:masterClrMapping/>
+  </p:clrMapOvr>
+</p:sld>
+</file>
+
+<file path=ppt/slides/slide15.xml><?xml version="1.0" encoding="utf-8"?>
+<p:sld xmlns:a="http://schemas.openxmlformats.org/drawingml/2006/main" xmlns:r="http://schemas.openxmlformats.org/officeDocument/2006/relationships" xmlns:p="http://schemas.openxmlformats.org/presentationml/2006/main">
+  <p:cSld>
+    <p:spTree>
+      <p:nvGrpSpPr>
+        <p:cNvPr id="1" name=""/>
+        <p:cNvGrpSpPr/>
+        <p:nvPr/>
+      </p:nvGrpSpPr>
+      <p:grpSpPr>
+        <a:xfrm>
+          <a:off x="0" y="0"/>
+          <a:ext cx="0" cy="0"/>
+          <a:chOff x="0" y="0"/>
+          <a:chExt cx="0" cy="0"/>
+        </a:xfrm>
+      </p:grpSpPr>
+      <p:sp>
+        <p:nvSpPr>
+          <p:cNvPr id="3" name="Content Placeholder 2">
+            <a:extLst>
+              <a:ext uri="{FF2B5EF4-FFF2-40B4-BE49-F238E27FC236}">
+                <a16:creationId xmlns:a16="http://schemas.microsoft.com/office/drawing/2014/main" id="{8FCB7B13-DC2F-41A3-AA5B-E9CF49D56CF9}"/>
+              </a:ext>
+            </a:extLst>
+          </p:cNvPr>
+          <p:cNvSpPr>
+            <a:spLocks noGrp="1"/>
+          </p:cNvSpPr>
+          <p:nvPr>
+            <p:ph idx="1"/>
+          </p:nvPr>
+        </p:nvSpPr>
+        <p:spPr>
+          <a:xfrm>
+            <a:off x="5396340" y="5495193"/>
+            <a:ext cx="2559906" cy="492370"/>
+          </a:xfrm>
+        </p:spPr>
+        <p:txBody>
+          <a:bodyPr>
+            <a:normAutofit fontScale="92500" lnSpcReduction="10000"/>
+          </a:bodyPr>
+          <a:lstStyle/>
+          <a:p>
+            <a:r>
+              <a:rPr lang="en-IN" b="1" dirty="0"/>
+              <a:t>Internship.csv</a:t>
+            </a:r>
+          </a:p>
+          <a:p>
+            <a:pPr marL="0" indent="0">
+              <a:buNone/>
+            </a:pPr>
+            <a:endParaRPr lang="en-US" dirty="0"/>
+          </a:p>
+        </p:txBody>
+      </p:sp>
+      <p:pic>
+        <p:nvPicPr>
+          <p:cNvPr id="4" name="Picture 3">
+            <a:extLst>
+              <a:ext uri="{FF2B5EF4-FFF2-40B4-BE49-F238E27FC236}">
+                <a16:creationId xmlns:a16="http://schemas.microsoft.com/office/drawing/2014/main" id="{5B4CD189-466E-42C0-B9F2-1A96CD69A8E1}"/>
+              </a:ext>
+            </a:extLst>
+          </p:cNvPr>
+          <p:cNvPicPr>
+            <a:picLocks noChangeAspect="1"/>
+          </p:cNvPicPr>
+          <p:nvPr/>
+        </p:nvPicPr>
+        <p:blipFill>
+          <a:blip r:embed="rId2"/>
+          <a:stretch>
+            <a:fillRect/>
+          </a:stretch>
+        </p:blipFill>
+        <p:spPr>
+          <a:xfrm>
+            <a:off x="2593914" y="870437"/>
+            <a:ext cx="8353425" cy="4191000"/>
+          </a:xfrm>
+          <a:prstGeom prst="rect">
+            <a:avLst/>
+          </a:prstGeom>
+        </p:spPr>
+      </p:pic>
+    </p:spTree>
+    <p:extLst>
+      <p:ext uri="{BB962C8B-B14F-4D97-AF65-F5344CB8AC3E}">
+        <p14:creationId xmlns:p14="http://schemas.microsoft.com/office/powerpoint/2010/main" val="3290273271"/>
+      </p:ext>
+    </p:extLst>
+  </p:cSld>
+  <p:clrMapOvr>
+    <a:masterClrMapping/>
+  </p:clrMapOvr>
+</p:sld>
+</file>
+
+<file path=ppt/slides/slide16.xml><?xml version="1.0" encoding="utf-8"?>
+<p:sld xmlns:a="http://schemas.openxmlformats.org/drawingml/2006/main" xmlns:r="http://schemas.openxmlformats.org/officeDocument/2006/relationships" xmlns:p="http://schemas.openxmlformats.org/presentationml/2006/main">
+  <p:cSld>
+    <p:spTree>
+      <p:nvGrpSpPr>
+        <p:cNvPr id="1" name=""/>
+        <p:cNvGrpSpPr/>
+        <p:nvPr/>
+      </p:nvGrpSpPr>
+      <p:grpSpPr>
+        <a:xfrm>
+          <a:off x="0" y="0"/>
+          <a:ext cx="0" cy="0"/>
+          <a:chOff x="0" y="0"/>
+          <a:chExt cx="0" cy="0"/>
+        </a:xfrm>
+      </p:grpSpPr>
+      <p:sp>
+        <p:nvSpPr>
+          <p:cNvPr id="3" name="Content Placeholder 2">
+            <a:extLst>
+              <a:ext uri="{FF2B5EF4-FFF2-40B4-BE49-F238E27FC236}">
+                <a16:creationId xmlns:a16="http://schemas.microsoft.com/office/drawing/2014/main" id="{CE942175-62ED-4658-9235-2F23FC3337C0}"/>
+              </a:ext>
+            </a:extLst>
+          </p:cNvPr>
+          <p:cNvSpPr>
+            <a:spLocks noGrp="1"/>
+          </p:cNvSpPr>
+          <p:nvPr>
+            <p:ph idx="1"/>
+          </p:nvPr>
+        </p:nvSpPr>
+        <p:spPr>
+          <a:xfrm>
+            <a:off x="5189721" y="5354515"/>
+            <a:ext cx="2463190" cy="740832"/>
+          </a:xfrm>
+        </p:spPr>
+        <p:txBody>
+          <a:bodyPr/>
+          <a:lstStyle/>
+          <a:p>
+            <a:r>
+              <a:rPr lang="en-US" b="1" dirty="0"/>
+              <a:t>Student.csv</a:t>
+            </a:r>
+          </a:p>
+          <a:p>
+            <a:pPr marL="0" indent="0">
+              <a:buNone/>
+            </a:pPr>
+            <a:endParaRPr lang="en-US" b="1" dirty="0"/>
+          </a:p>
+        </p:txBody>
+      </p:sp>
+      <p:pic>
+        <p:nvPicPr>
+          <p:cNvPr id="4" name="Picture 3">
+            <a:extLst>
+              <a:ext uri="{FF2B5EF4-FFF2-40B4-BE49-F238E27FC236}">
+                <a16:creationId xmlns:a16="http://schemas.microsoft.com/office/drawing/2014/main" id="{4E415CA7-5836-4400-9C42-F5492A24D4C5}"/>
+              </a:ext>
+            </a:extLst>
+          </p:cNvPr>
+          <p:cNvPicPr>
+            <a:picLocks noChangeAspect="1"/>
+          </p:cNvPicPr>
+          <p:nvPr/>
+        </p:nvPicPr>
+        <p:blipFill>
+          <a:blip r:embed="rId2"/>
+          <a:stretch>
+            <a:fillRect/>
+          </a:stretch>
+        </p:blipFill>
+        <p:spPr>
+          <a:xfrm>
+            <a:off x="3059723" y="686253"/>
+            <a:ext cx="6747200" cy="4280948"/>
+          </a:xfrm>
+          <a:prstGeom prst="rect">
+            <a:avLst/>
+          </a:prstGeom>
+        </p:spPr>
+      </p:pic>
+    </p:spTree>
+    <p:extLst>
+      <p:ext uri="{BB962C8B-B14F-4D97-AF65-F5344CB8AC3E}">
+        <p14:creationId xmlns:p14="http://schemas.microsoft.com/office/powerpoint/2010/main" val="3638881768"/>
+      </p:ext>
+    </p:extLst>
+  </p:cSld>
+  <p:clrMapOvr>
+    <a:masterClrMapping/>
+  </p:clrMapOvr>
+</p:sld>
+</file>
+
 <file path=ppt/slides/slide17.xml><?xml version="1.0" encoding="utf-8"?>
 <p:sld xmlns:a="http://schemas.openxmlformats.org/drawingml/2006/main" xmlns:r="http://schemas.openxmlformats.org/officeDocument/2006/relationships" xmlns:p="http://schemas.openxmlformats.org/presentationml/2006/main">
   <p:cSld>
@@ -11756,10 +11916,10 @@
       </p:grpSpPr>
       <p:sp>
         <p:nvSpPr>
-          <p:cNvPr id="2" name="Title 1">
+          <p:cNvPr id="3" name="Content Placeholder 2">
             <a:extLst>
               <a:ext uri="{FF2B5EF4-FFF2-40B4-BE49-F238E27FC236}">
-                <a16:creationId xmlns:a16="http://schemas.microsoft.com/office/drawing/2014/main" id="{464002A4-D747-4322-98FA-7C9E8A410569}"/>
+                <a16:creationId xmlns:a16="http://schemas.microsoft.com/office/drawing/2014/main" id="{D74F5B47-DF98-4F68-ABA3-092321995490}"/>
               </a:ext>
             </a:extLst>
           </p:cNvPr>
@@ -11767,75 +11927,68 @@
             <a:spLocks noGrp="1"/>
           </p:cNvSpPr>
           <p:nvPr>
-            <p:ph type="title"/>
+            <p:ph idx="1"/>
           </p:nvPr>
         </p:nvSpPr>
         <p:spPr>
           <a:xfrm>
-            <a:off x="1484313" y="0"/>
-            <a:ext cx="10018713" cy="1752599"/>
+            <a:off x="5477607" y="4844561"/>
+            <a:ext cx="1708392" cy="638908"/>
           </a:xfrm>
         </p:spPr>
         <p:txBody>
-          <a:bodyPr/>
+          <a:bodyPr>
+            <a:normAutofit/>
+          </a:bodyPr>
           <a:lstStyle/>
           <a:p>
             <a:r>
-              <a:rPr lang="en-US" dirty="0">
-                <a:latin typeface="Times New Roman" panose="02020603050405020304" pitchFamily="18" charset="0"/>
-                <a:cs typeface="Times New Roman" panose="02020603050405020304" pitchFamily="18" charset="0"/>
-              </a:rPr>
-              <a:t>IMPLIMENTATION</a:t>
-            </a:r>
-            <a:r>
-              <a:rPr lang="en-US" dirty="0"/>
-              <a:t> </a:t>
-            </a:r>
-            <a:r>
-              <a:rPr lang="en-US" dirty="0">
-                <a:latin typeface="Times New Roman" panose="02020603050405020304" pitchFamily="18" charset="0"/>
-                <a:cs typeface="Times New Roman" panose="02020603050405020304" pitchFamily="18" charset="0"/>
-              </a:rPr>
-              <a:t>PROCESS</a:t>
-            </a:r>
-          </a:p>
-        </p:txBody>
-      </p:sp>
-      <p:graphicFrame>
-        <p:nvGraphicFramePr>
-          <p:cNvPr id="4" name="Content Placeholder 3">
+              <a:rPr lang="en-IN" b="1" dirty="0"/>
+              <a:t>train.csv</a:t>
+            </a:r>
+          </a:p>
+          <a:p>
+            <a:pPr marL="0" indent="0">
+              <a:buNone/>
+            </a:pPr>
+            <a:endParaRPr lang="en-US" dirty="0"/>
+          </a:p>
+        </p:txBody>
+      </p:sp>
+      <p:pic>
+        <p:nvPicPr>
+          <p:cNvPr id="4" name="Picture 3">
             <a:extLst>
               <a:ext uri="{FF2B5EF4-FFF2-40B4-BE49-F238E27FC236}">
-                <a16:creationId xmlns:a16="http://schemas.microsoft.com/office/drawing/2014/main" id="{90B66596-90B3-4278-B383-D0F0136D62A6}"/>
+                <a16:creationId xmlns:a16="http://schemas.microsoft.com/office/drawing/2014/main" id="{4317FAC7-2003-4831-82E0-3CF705B1B13A}"/>
               </a:ext>
             </a:extLst>
           </p:cNvPr>
-          <p:cNvGraphicFramePr>
-            <a:graphicFrameLocks noGrp="1"/>
-          </p:cNvGraphicFramePr>
-          <p:nvPr>
-            <p:ph idx="1"/>
-            <p:extLst>
-              <p:ext uri="{D42A27DB-BD31-4B8C-83A1-F6EECF244321}">
-                <p14:modId xmlns:p14="http://schemas.microsoft.com/office/powerpoint/2010/main" val="1634628300"/>
-              </p:ext>
-            </p:extLst>
-          </p:nvPr>
-        </p:nvGraphicFramePr>
-        <p:xfrm>
-          <a:off x="1607405" y="2104292"/>
-          <a:ext cx="10018712" cy="3124200"/>
-        </p:xfrm>
-        <a:graphic>
-          <a:graphicData uri="http://schemas.openxmlformats.org/drawingml/2006/diagram">
-            <dgm:relIds xmlns:dgm="http://schemas.openxmlformats.org/drawingml/2006/diagram" xmlns:r="http://schemas.openxmlformats.org/officeDocument/2006/relationships" r:dm="rId2" r:lo="rId3" r:qs="rId4" r:cs="rId5"/>
-          </a:graphicData>
-        </a:graphic>
-      </p:graphicFrame>
+          <p:cNvPicPr>
+            <a:picLocks noChangeAspect="1"/>
+          </p:cNvPicPr>
+          <p:nvPr/>
+        </p:nvPicPr>
+        <p:blipFill>
+          <a:blip r:embed="rId2"/>
+          <a:stretch>
+            <a:fillRect/>
+          </a:stretch>
+        </p:blipFill>
+        <p:spPr>
+          <a:xfrm>
+            <a:off x="3187576" y="1571990"/>
+            <a:ext cx="6780244" cy="2858233"/>
+          </a:xfrm>
+          <a:prstGeom prst="rect">
+            <a:avLst/>
+          </a:prstGeom>
+        </p:spPr>
+      </p:pic>
     </p:spTree>
     <p:extLst>
       <p:ext uri="{BB962C8B-B14F-4D97-AF65-F5344CB8AC3E}">
-        <p14:creationId xmlns:p14="http://schemas.microsoft.com/office/powerpoint/2010/main" val="123213286"/>
+        <p14:creationId xmlns:p14="http://schemas.microsoft.com/office/powerpoint/2010/main" val="2703519941"/>
       </p:ext>
     </p:extLst>
   </p:cSld>
@@ -11867,7 +12020,7 @@
           <p:cNvPr id="2" name="Title 1">
             <a:extLst>
               <a:ext uri="{FF2B5EF4-FFF2-40B4-BE49-F238E27FC236}">
-                <a16:creationId xmlns:a16="http://schemas.microsoft.com/office/drawing/2014/main" id="{DE5A5D19-A26F-490A-8C41-6E5AEC1387F4}"/>
+                <a16:creationId xmlns:a16="http://schemas.microsoft.com/office/drawing/2014/main" id="{3DBD4D2E-0940-461B-9CE8-B8DC9A560ECA}"/>
               </a:ext>
             </a:extLst>
           </p:cNvPr>
@@ -11878,12 +12031,23 @@
             <p:ph type="title"/>
           </p:nvPr>
         </p:nvSpPr>
-        <p:spPr/>
+        <p:spPr>
+          <a:xfrm>
+            <a:off x="1589816" y="8792"/>
+            <a:ext cx="10018713" cy="1752599"/>
+          </a:xfrm>
+        </p:spPr>
         <p:txBody>
           <a:bodyPr/>
           <a:lstStyle/>
           <a:p>
-            <a:endParaRPr lang="en-US"/>
+            <a:r>
+              <a:rPr lang="en-US" dirty="0">
+                <a:latin typeface="Times New Roman" panose="02020603050405020304" pitchFamily="18" charset="0"/>
+                <a:cs typeface="Times New Roman" panose="02020603050405020304" pitchFamily="18" charset="0"/>
+              </a:rPr>
+              <a:t>Data Understanding</a:t>
+            </a:r>
           </a:p>
         </p:txBody>
       </p:sp>
@@ -11892,7 +12056,7 @@
           <p:cNvPr id="3" name="Content Placeholder 2">
             <a:extLst>
               <a:ext uri="{FF2B5EF4-FFF2-40B4-BE49-F238E27FC236}">
-                <a16:creationId xmlns:a16="http://schemas.microsoft.com/office/drawing/2014/main" id="{782F0E67-85F9-4B0B-95F1-3AB8F53C1AE4}"/>
+                <a16:creationId xmlns:a16="http://schemas.microsoft.com/office/drawing/2014/main" id="{368B7D4A-8801-43AE-B400-20D15965A9BE}"/>
               </a:ext>
             </a:extLst>
           </p:cNvPr>
@@ -11903,22 +12067,24 @@
             <p:ph idx="1"/>
           </p:nvPr>
         </p:nvSpPr>
-        <p:spPr/>
+        <p:spPr>
+          <a:xfrm>
+            <a:off x="1484310" y="1573823"/>
+            <a:ext cx="10018713" cy="4217377"/>
+          </a:xfrm>
+        </p:spPr>
         <p:txBody>
           <a:bodyPr/>
           <a:lstStyle/>
           <a:p>
-            <a:r>
-              <a:rPr lang="en-US"/>
-              <a:t>ddd</a:t>
-            </a:r>
+            <a:endParaRPr lang="en-US" dirty="0"/>
           </a:p>
         </p:txBody>
       </p:sp>
     </p:spTree>
     <p:extLst>
       <p:ext uri="{BB962C8B-B14F-4D97-AF65-F5344CB8AC3E}">
-        <p14:creationId xmlns:p14="http://schemas.microsoft.com/office/powerpoint/2010/main" val="1515428674"/>
+        <p14:creationId xmlns:p14="http://schemas.microsoft.com/office/powerpoint/2010/main" val="4215184722"/>
       </p:ext>
     </p:extLst>
   </p:cSld>
@@ -11950,7 +12116,7 @@
           <p:cNvPr id="2" name="Title 1">
             <a:extLst>
               <a:ext uri="{FF2B5EF4-FFF2-40B4-BE49-F238E27FC236}">
-                <a16:creationId xmlns:a16="http://schemas.microsoft.com/office/drawing/2014/main" id="{3DBD4D2E-0940-461B-9CE8-B8DC9A560ECA}"/>
+                <a16:creationId xmlns:a16="http://schemas.microsoft.com/office/drawing/2014/main" id="{A3CC0543-4DD9-4037-8E7B-1C8376B9B457}"/>
               </a:ext>
             </a:extLst>
           </p:cNvPr>
@@ -11961,12 +12127,23 @@
             <p:ph type="title"/>
           </p:nvPr>
         </p:nvSpPr>
-        <p:spPr/>
+        <p:spPr>
+          <a:xfrm>
+            <a:off x="1589819" y="0"/>
+            <a:ext cx="10018713" cy="1752599"/>
+          </a:xfrm>
+        </p:spPr>
         <p:txBody>
           <a:bodyPr/>
           <a:lstStyle/>
           <a:p>
-            <a:endParaRPr lang="en-US"/>
+            <a:r>
+              <a:rPr lang="en-US" dirty="0">
+                <a:latin typeface="Times New Roman" panose="02020603050405020304" pitchFamily="18" charset="0"/>
+                <a:cs typeface="Times New Roman" panose="02020603050405020304" pitchFamily="18" charset="0"/>
+              </a:rPr>
+              <a:t>Data Pre-Processing</a:t>
+            </a:r>
           </a:p>
         </p:txBody>
       </p:sp>
@@ -11975,7 +12152,7 @@
           <p:cNvPr id="3" name="Content Placeholder 2">
             <a:extLst>
               <a:ext uri="{FF2B5EF4-FFF2-40B4-BE49-F238E27FC236}">
-                <a16:creationId xmlns:a16="http://schemas.microsoft.com/office/drawing/2014/main" id="{368B7D4A-8801-43AE-B400-20D15965A9BE}"/>
+                <a16:creationId xmlns:a16="http://schemas.microsoft.com/office/drawing/2014/main" id="{D2A21F67-FE0B-4E99-980B-874B02A5E54B}"/>
               </a:ext>
             </a:extLst>
           </p:cNvPr>
@@ -11991,14 +12168,14 @@
           <a:bodyPr/>
           <a:lstStyle/>
           <a:p>
-            <a:endParaRPr lang="en-US"/>
+            <a:endParaRPr lang="en-US" dirty="0"/>
           </a:p>
         </p:txBody>
       </p:sp>
     </p:spTree>
     <p:extLst>
       <p:ext uri="{BB962C8B-B14F-4D97-AF65-F5344CB8AC3E}">
-        <p14:creationId xmlns:p14="http://schemas.microsoft.com/office/powerpoint/2010/main" val="4215184722"/>
+        <p14:creationId xmlns:p14="http://schemas.microsoft.com/office/powerpoint/2010/main" val="2074769474"/>
       </p:ext>
     </p:extLst>
   </p:cSld>
@@ -12079,8 +12256,8 @@
         </p:nvSpPr>
         <p:spPr>
           <a:xfrm>
-            <a:off x="1925515" y="1274885"/>
-            <a:ext cx="9566031" cy="6128237"/>
+            <a:off x="1925515" y="1274886"/>
+            <a:ext cx="9566031" cy="5416860"/>
           </a:xfrm>
         </p:spPr>
         <p:txBody>
@@ -12150,33 +12327,6 @@
               </a:rPr>
               <a:t>Scope</a:t>
             </a:r>
-          </a:p>
-          <a:p>
-            <a:r>
-              <a:rPr lang="en-US" sz="2500" dirty="0">
-                <a:latin typeface="Times New Roman" panose="02020603050405020304" pitchFamily="18" charset="0"/>
-                <a:cs typeface="Times New Roman" panose="02020603050405020304" pitchFamily="18" charset="0"/>
-              </a:rPr>
-              <a:t>Problem Objective</a:t>
-            </a:r>
-          </a:p>
-          <a:p>
-            <a:r>
-              <a:rPr lang="en-US" sz="2500" dirty="0">
-                <a:latin typeface="Times New Roman" panose="02020603050405020304" pitchFamily="18" charset="0"/>
-                <a:cs typeface="Times New Roman" panose="02020603050405020304" pitchFamily="18" charset="0"/>
-              </a:rPr>
-              <a:t>Data Description</a:t>
-            </a:r>
-          </a:p>
-          <a:p>
-            <a:pPr marL="0" indent="0">
-              <a:buNone/>
-            </a:pPr>
-            <a:endParaRPr lang="en-US" sz="2500" dirty="0">
-              <a:latin typeface="Times New Roman" panose="02020603050405020304" pitchFamily="18" charset="0"/>
-              <a:cs typeface="Times New Roman" panose="02020603050405020304" pitchFamily="18" charset="0"/>
-            </a:endParaRPr>
           </a:p>
           <a:p>
             <a:pPr marL="0" indent="0">
@@ -12200,6 +12350,464 @@
 </file>
 
 <file path=ppt/slides/slide20.xml><?xml version="1.0" encoding="utf-8"?>
+<p:sld xmlns:a="http://schemas.openxmlformats.org/drawingml/2006/main" xmlns:r="http://schemas.openxmlformats.org/officeDocument/2006/relationships" xmlns:p="http://schemas.openxmlformats.org/presentationml/2006/main">
+  <p:cSld>
+    <p:spTree>
+      <p:nvGrpSpPr>
+        <p:cNvPr id="1" name=""/>
+        <p:cNvGrpSpPr/>
+        <p:nvPr/>
+      </p:nvGrpSpPr>
+      <p:grpSpPr>
+        <a:xfrm>
+          <a:off x="0" y="0"/>
+          <a:ext cx="0" cy="0"/>
+          <a:chOff x="0" y="0"/>
+          <a:chExt cx="0" cy="0"/>
+        </a:xfrm>
+      </p:grpSpPr>
+      <p:sp>
+        <p:nvSpPr>
+          <p:cNvPr id="2" name="Title 1">
+            <a:extLst>
+              <a:ext uri="{FF2B5EF4-FFF2-40B4-BE49-F238E27FC236}">
+                <a16:creationId xmlns:a16="http://schemas.microsoft.com/office/drawing/2014/main" id="{DCD3B546-1209-414B-B61F-84E110CCEDE4}"/>
+              </a:ext>
+            </a:extLst>
+          </p:cNvPr>
+          <p:cNvSpPr>
+            <a:spLocks noGrp="1"/>
+          </p:cNvSpPr>
+          <p:nvPr>
+            <p:ph type="title"/>
+          </p:nvPr>
+        </p:nvSpPr>
+        <p:spPr/>
+        <p:txBody>
+          <a:bodyPr/>
+          <a:lstStyle/>
+          <a:p>
+            <a:r>
+              <a:rPr lang="en-US" dirty="0"/>
+              <a:t>Data Modeling</a:t>
+            </a:r>
+          </a:p>
+        </p:txBody>
+      </p:sp>
+      <p:sp>
+        <p:nvSpPr>
+          <p:cNvPr id="3" name="Content Placeholder 2">
+            <a:extLst>
+              <a:ext uri="{FF2B5EF4-FFF2-40B4-BE49-F238E27FC236}">
+                <a16:creationId xmlns:a16="http://schemas.microsoft.com/office/drawing/2014/main" id="{2C5EAED9-1A9B-4298-9B24-978748F9FF81}"/>
+              </a:ext>
+            </a:extLst>
+          </p:cNvPr>
+          <p:cNvSpPr>
+            <a:spLocks noGrp="1"/>
+          </p:cNvSpPr>
+          <p:nvPr>
+            <p:ph idx="1"/>
+          </p:nvPr>
+        </p:nvSpPr>
+        <p:spPr>
+          <a:xfrm>
+            <a:off x="1484310" y="2296391"/>
+            <a:ext cx="6443954" cy="3494809"/>
+          </a:xfrm>
+        </p:spPr>
+        <p:txBody>
+          <a:bodyPr/>
+          <a:lstStyle/>
+          <a:p>
+            <a:pPr algn="just"/>
+            <a:r>
+              <a:rPr lang="en-IN" dirty="0"/>
+              <a:t>Gradient descent is an optimization algorithm used to minimize some function by iteratively moving in the direction of steepest descent as defined by the negative of the gradient. In machine learning, we use gradient descent to update the parameters of our model.</a:t>
+            </a:r>
+            <a:endParaRPr lang="en-US" dirty="0"/>
+          </a:p>
+        </p:txBody>
+      </p:sp>
+      <p:pic>
+        <p:nvPicPr>
+          <p:cNvPr id="2050" name="Picture 2" descr="Image result for gradient descent">
+            <a:extLst>
+              <a:ext uri="{FF2B5EF4-FFF2-40B4-BE49-F238E27FC236}">
+                <a16:creationId xmlns:a16="http://schemas.microsoft.com/office/drawing/2014/main" id="{D8111BBE-859B-4F14-828A-DB5EEDD08F23}"/>
+              </a:ext>
+            </a:extLst>
+          </p:cNvPr>
+          <p:cNvPicPr>
+            <a:picLocks noChangeAspect="1" noChangeArrowheads="1"/>
+          </p:cNvPicPr>
+          <p:nvPr/>
+        </p:nvPicPr>
+        <p:blipFill>
+          <a:blip r:embed="rId2">
+            <a:extLst>
+              <a:ext uri="{28A0092B-C50C-407E-A947-70E740481C1C}">
+                <a14:useLocalDpi xmlns:a14="http://schemas.microsoft.com/office/drawing/2010/main" val="0"/>
+              </a:ext>
+            </a:extLst>
+          </a:blip>
+          <a:srcRect/>
+          <a:stretch>
+            <a:fillRect/>
+          </a:stretch>
+        </p:blipFill>
+        <p:spPr bwMode="auto">
+          <a:xfrm>
+            <a:off x="7928264" y="2438399"/>
+            <a:ext cx="3882131" cy="2902528"/>
+          </a:xfrm>
+          <a:prstGeom prst="rect">
+            <a:avLst/>
+          </a:prstGeom>
+          <a:noFill/>
+          <a:extLst>
+            <a:ext uri="{909E8E84-426E-40DD-AFC4-6F175D3DCCD1}">
+              <a14:hiddenFill xmlns:a14="http://schemas.microsoft.com/office/drawing/2010/main">
+                <a:solidFill>
+                  <a:srgbClr val="FFFFFF"/>
+                </a:solidFill>
+              </a14:hiddenFill>
+            </a:ext>
+          </a:extLst>
+        </p:spPr>
+      </p:pic>
+    </p:spTree>
+    <p:extLst>
+      <p:ext uri="{BB962C8B-B14F-4D97-AF65-F5344CB8AC3E}">
+        <p14:creationId xmlns:p14="http://schemas.microsoft.com/office/powerpoint/2010/main" val="1527281234"/>
+      </p:ext>
+    </p:extLst>
+  </p:cSld>
+  <p:clrMapOvr>
+    <a:masterClrMapping/>
+  </p:clrMapOvr>
+</p:sld>
+</file>
+
+<file path=ppt/slides/slide21.xml><?xml version="1.0" encoding="utf-8"?>
+<p:sld xmlns:a="http://schemas.openxmlformats.org/drawingml/2006/main" xmlns:r="http://schemas.openxmlformats.org/officeDocument/2006/relationships" xmlns:p="http://schemas.openxmlformats.org/presentationml/2006/main">
+  <p:cSld>
+    <p:spTree>
+      <p:nvGrpSpPr>
+        <p:cNvPr id="1" name=""/>
+        <p:cNvGrpSpPr/>
+        <p:nvPr/>
+      </p:nvGrpSpPr>
+      <p:grpSpPr>
+        <a:xfrm>
+          <a:off x="0" y="0"/>
+          <a:ext cx="0" cy="0"/>
+          <a:chOff x="0" y="0"/>
+          <a:chExt cx="0" cy="0"/>
+        </a:xfrm>
+      </p:grpSpPr>
+      <p:sp>
+        <p:nvSpPr>
+          <p:cNvPr id="2" name="Title 1">
+            <a:extLst>
+              <a:ext uri="{FF2B5EF4-FFF2-40B4-BE49-F238E27FC236}">
+                <a16:creationId xmlns:a16="http://schemas.microsoft.com/office/drawing/2014/main" id="{4D21E044-0AC0-4B8B-97E6-7792A8C06022}"/>
+              </a:ext>
+            </a:extLst>
+          </p:cNvPr>
+          <p:cNvSpPr>
+            <a:spLocks noGrp="1"/>
+          </p:cNvSpPr>
+          <p:nvPr>
+            <p:ph type="title"/>
+          </p:nvPr>
+        </p:nvSpPr>
+        <p:spPr/>
+        <p:txBody>
+          <a:bodyPr/>
+          <a:lstStyle/>
+          <a:p>
+            <a:r>
+              <a:rPr lang="en-US" dirty="0"/>
+              <a:t>Model Optimization</a:t>
+            </a:r>
+          </a:p>
+        </p:txBody>
+      </p:sp>
+      <p:sp>
+        <p:nvSpPr>
+          <p:cNvPr id="3" name="Content Placeholder 2">
+            <a:extLst>
+              <a:ext uri="{FF2B5EF4-FFF2-40B4-BE49-F238E27FC236}">
+                <a16:creationId xmlns:a16="http://schemas.microsoft.com/office/drawing/2014/main" id="{D693E2F7-9E61-4B72-848B-6A05C92E6D49}"/>
+              </a:ext>
+            </a:extLst>
+          </p:cNvPr>
+          <p:cNvSpPr>
+            <a:spLocks noGrp="1"/>
+          </p:cNvSpPr>
+          <p:nvPr>
+            <p:ph idx="1"/>
+          </p:nvPr>
+        </p:nvSpPr>
+        <p:spPr>
+          <a:xfrm>
+            <a:off x="1484310" y="2666999"/>
+            <a:ext cx="5082745" cy="3124201"/>
+          </a:xfrm>
+        </p:spPr>
+        <p:txBody>
+          <a:bodyPr/>
+          <a:lstStyle/>
+          <a:p>
+            <a:pPr algn="just"/>
+            <a:r>
+              <a:rPr lang="en-IN" dirty="0"/>
+              <a:t>Gradient boosting is a machine learning technique for regression and classification problems, which produces a prediction model in the form of an ensemble of weak prediction models, typically decision trees.</a:t>
+            </a:r>
+            <a:endParaRPr lang="en-US" dirty="0"/>
+          </a:p>
+        </p:txBody>
+      </p:sp>
+      <p:pic>
+        <p:nvPicPr>
+          <p:cNvPr id="3076" name="Picture 4" descr="Image result for visualize gradient boosting classifier shortlist">
+            <a:extLst>
+              <a:ext uri="{FF2B5EF4-FFF2-40B4-BE49-F238E27FC236}">
+                <a16:creationId xmlns:a16="http://schemas.microsoft.com/office/drawing/2014/main" id="{529AB8AF-8483-4FA7-A9C5-35BCB3BFD5B4}"/>
+              </a:ext>
+            </a:extLst>
+          </p:cNvPr>
+          <p:cNvPicPr>
+            <a:picLocks noChangeAspect="1" noChangeArrowheads="1"/>
+          </p:cNvPicPr>
+          <p:nvPr/>
+        </p:nvPicPr>
+        <p:blipFill>
+          <a:blip r:embed="rId2">
+            <a:extLst>
+              <a:ext uri="{28A0092B-C50C-407E-A947-70E740481C1C}">
+                <a14:useLocalDpi xmlns:a14="http://schemas.microsoft.com/office/drawing/2010/main" val="0"/>
+              </a:ext>
+            </a:extLst>
+          </a:blip>
+          <a:srcRect/>
+          <a:stretch>
+            <a:fillRect/>
+          </a:stretch>
+        </p:blipFill>
+        <p:spPr bwMode="auto">
+          <a:xfrm>
+            <a:off x="7043018" y="2065291"/>
+            <a:ext cx="3723553" cy="4327616"/>
+          </a:xfrm>
+          <a:prstGeom prst="rect">
+            <a:avLst/>
+          </a:prstGeom>
+          <a:noFill/>
+          <a:extLst>
+            <a:ext uri="{909E8E84-426E-40DD-AFC4-6F175D3DCCD1}">
+              <a14:hiddenFill xmlns:a14="http://schemas.microsoft.com/office/drawing/2010/main">
+                <a:solidFill>
+                  <a:srgbClr val="FFFFFF"/>
+                </a:solidFill>
+              </a14:hiddenFill>
+            </a:ext>
+          </a:extLst>
+        </p:spPr>
+      </p:pic>
+    </p:spTree>
+    <p:extLst>
+      <p:ext uri="{BB962C8B-B14F-4D97-AF65-F5344CB8AC3E}">
+        <p14:creationId xmlns:p14="http://schemas.microsoft.com/office/powerpoint/2010/main" val="2918510939"/>
+      </p:ext>
+    </p:extLst>
+  </p:cSld>
+  <p:clrMapOvr>
+    <a:masterClrMapping/>
+  </p:clrMapOvr>
+</p:sld>
+</file>
+
+<file path=ppt/slides/slide22.xml><?xml version="1.0" encoding="utf-8"?>
+<p:sld xmlns:a="http://schemas.openxmlformats.org/drawingml/2006/main" xmlns:r="http://schemas.openxmlformats.org/officeDocument/2006/relationships" xmlns:p="http://schemas.openxmlformats.org/presentationml/2006/main">
+  <p:cSld>
+    <p:spTree>
+      <p:nvGrpSpPr>
+        <p:cNvPr id="1" name=""/>
+        <p:cNvGrpSpPr/>
+        <p:nvPr/>
+      </p:nvGrpSpPr>
+      <p:grpSpPr>
+        <a:xfrm>
+          <a:off x="0" y="0"/>
+          <a:ext cx="0" cy="0"/>
+          <a:chOff x="0" y="0"/>
+          <a:chExt cx="0" cy="0"/>
+        </a:xfrm>
+      </p:grpSpPr>
+      <p:sp>
+        <p:nvSpPr>
+          <p:cNvPr id="2" name="Title 1">
+            <a:extLst>
+              <a:ext uri="{FF2B5EF4-FFF2-40B4-BE49-F238E27FC236}">
+                <a16:creationId xmlns:a16="http://schemas.microsoft.com/office/drawing/2014/main" id="{88632D9E-E221-4DAC-9BD1-8E788AF0B8C2}"/>
+              </a:ext>
+            </a:extLst>
+          </p:cNvPr>
+          <p:cNvSpPr>
+            <a:spLocks noGrp="1"/>
+          </p:cNvSpPr>
+          <p:nvPr>
+            <p:ph type="title"/>
+          </p:nvPr>
+        </p:nvSpPr>
+        <p:spPr/>
+        <p:txBody>
+          <a:bodyPr/>
+          <a:lstStyle/>
+          <a:p>
+            <a:endParaRPr lang="en-US"/>
+          </a:p>
+        </p:txBody>
+      </p:sp>
+      <p:sp>
+        <p:nvSpPr>
+          <p:cNvPr id="3" name="Content Placeholder 2">
+            <a:extLst>
+              <a:ext uri="{FF2B5EF4-FFF2-40B4-BE49-F238E27FC236}">
+                <a16:creationId xmlns:a16="http://schemas.microsoft.com/office/drawing/2014/main" id="{71582151-DD4C-48C1-A5DD-AEAF020CE369}"/>
+              </a:ext>
+            </a:extLst>
+          </p:cNvPr>
+          <p:cNvSpPr>
+            <a:spLocks noGrp="1"/>
+          </p:cNvSpPr>
+          <p:nvPr>
+            <p:ph idx="1"/>
+          </p:nvPr>
+        </p:nvSpPr>
+        <p:spPr/>
+        <p:txBody>
+          <a:bodyPr/>
+          <a:lstStyle/>
+          <a:p>
+            <a:endParaRPr lang="en-US"/>
+          </a:p>
+        </p:txBody>
+      </p:sp>
+      <p:pic>
+        <p:nvPicPr>
+          <p:cNvPr id="4" name="Picture 2" descr="Image result for gradient boosting">
+            <a:extLst>
+              <a:ext uri="{FF2B5EF4-FFF2-40B4-BE49-F238E27FC236}">
+                <a16:creationId xmlns:a16="http://schemas.microsoft.com/office/drawing/2014/main" id="{34046A8D-A1BD-4690-B68E-7289C19613BF}"/>
+              </a:ext>
+            </a:extLst>
+          </p:cNvPr>
+          <p:cNvPicPr>
+            <a:picLocks noChangeAspect="1" noChangeArrowheads="1"/>
+          </p:cNvPicPr>
+          <p:nvPr/>
+        </p:nvPicPr>
+        <p:blipFill>
+          <a:blip r:embed="rId2">
+            <a:extLst>
+              <a:ext uri="{28A0092B-C50C-407E-A947-70E740481C1C}">
+                <a14:useLocalDpi xmlns:a14="http://schemas.microsoft.com/office/drawing/2010/main" val="0"/>
+              </a:ext>
+            </a:extLst>
+          </a:blip>
+          <a:srcRect/>
+          <a:stretch>
+            <a:fillRect/>
+          </a:stretch>
+        </p:blipFill>
+        <p:spPr bwMode="auto">
+          <a:xfrm>
+            <a:off x="1568367" y="512201"/>
+            <a:ext cx="9674596" cy="5833598"/>
+          </a:xfrm>
+          <a:prstGeom prst="rect">
+            <a:avLst/>
+          </a:prstGeom>
+          <a:noFill/>
+          <a:extLst>
+            <a:ext uri="{909E8E84-426E-40DD-AFC4-6F175D3DCCD1}">
+              <a14:hiddenFill xmlns:a14="http://schemas.microsoft.com/office/drawing/2010/main">
+                <a:solidFill>
+                  <a:srgbClr val="FFFFFF"/>
+                </a:solidFill>
+              </a14:hiddenFill>
+            </a:ext>
+          </a:extLst>
+        </p:spPr>
+      </p:pic>
+      <p:sp>
+        <p:nvSpPr>
+          <p:cNvPr id="5" name="Frame 4">
+            <a:extLst>
+              <a:ext uri="{FF2B5EF4-FFF2-40B4-BE49-F238E27FC236}">
+                <a16:creationId xmlns:a16="http://schemas.microsoft.com/office/drawing/2014/main" id="{5720CCA9-B160-41A6-87EA-03AF988BC2D3}"/>
+              </a:ext>
+            </a:extLst>
+          </p:cNvPr>
+          <p:cNvSpPr/>
+          <p:nvPr/>
+        </p:nvSpPr>
+        <p:spPr>
+          <a:xfrm>
+            <a:off x="9642907" y="685800"/>
+            <a:ext cx="1433801" cy="5659999"/>
+          </a:xfrm>
+          <a:prstGeom prst="frame">
+            <a:avLst/>
+          </a:prstGeom>
+          <a:ln w="12700"/>
+        </p:spPr>
+        <p:style>
+          <a:lnRef idx="2">
+            <a:schemeClr val="accent1">
+              <a:shade val="50000"/>
+            </a:schemeClr>
+          </a:lnRef>
+          <a:fillRef idx="1">
+            <a:schemeClr val="accent1"/>
+          </a:fillRef>
+          <a:effectRef idx="0">
+            <a:schemeClr val="accent1"/>
+          </a:effectRef>
+          <a:fontRef idx="minor">
+            <a:schemeClr val="lt1"/>
+          </a:fontRef>
+        </p:style>
+        <p:txBody>
+          <a:bodyPr rtlCol="0" anchor="ctr"/>
+          <a:lstStyle/>
+          <a:p>
+            <a:pPr algn="ctr"/>
+            <a:endParaRPr lang="en-US" sz="1200">
+              <a:solidFill>
+                <a:schemeClr val="tx1"/>
+              </a:solidFill>
+            </a:endParaRPr>
+          </a:p>
+        </p:txBody>
+      </p:sp>
+    </p:spTree>
+    <p:extLst>
+      <p:ext uri="{BB962C8B-B14F-4D97-AF65-F5344CB8AC3E}">
+        <p14:creationId xmlns:p14="http://schemas.microsoft.com/office/powerpoint/2010/main" val="4084599458"/>
+      </p:ext>
+    </p:extLst>
+  </p:cSld>
+  <p:clrMapOvr>
+    <a:masterClrMapping/>
+  </p:clrMapOvr>
+</p:sld>
+</file>
+
+<file path=ppt/slides/slide23.xml><?xml version="1.0" encoding="utf-8"?>
 <p:sld xmlns:a="http://schemas.openxmlformats.org/drawingml/2006/main" xmlns:r="http://schemas.openxmlformats.org/officeDocument/2006/relationships" xmlns:p="http://schemas.openxmlformats.org/presentationml/2006/main">
   <p:cSld>
     <p:spTree>
@@ -12364,7 +12972,34 @@
                 <a:latin typeface="Times New Roman" panose="02020603050405020304" pitchFamily="18" charset="0"/>
                 <a:cs typeface="Times New Roman" panose="02020603050405020304" pitchFamily="18" charset="0"/>
               </a:rPr>
-              <a:t>Collecting Data</a:t>
+              <a:t>Implementation Process</a:t>
+            </a:r>
+          </a:p>
+          <a:p>
+            <a:r>
+              <a:rPr lang="en-US" sz="2500" dirty="0">
+                <a:latin typeface="Times New Roman" panose="02020603050405020304" pitchFamily="18" charset="0"/>
+                <a:cs typeface="Times New Roman" panose="02020603050405020304" pitchFamily="18" charset="0"/>
+              </a:rPr>
+              <a:t>Tools &amp; Packages used</a:t>
+            </a:r>
+          </a:p>
+          <a:p>
+            <a:r>
+              <a:rPr lang="en-US" sz="2500" dirty="0">
+                <a:latin typeface="Times New Roman" panose="02020603050405020304" pitchFamily="18" charset="0"/>
+                <a:cs typeface="Times New Roman" panose="02020603050405020304" pitchFamily="18" charset="0"/>
+              </a:rPr>
+              <a:t>Data Files Description</a:t>
+            </a:r>
+          </a:p>
+          <a:p>
+            <a:r>
+              <a:rPr lang="en-US" sz="2500" dirty="0">
+                <a:latin typeface="Times New Roman" panose="02020603050405020304" pitchFamily="18" charset="0"/>
+                <a:cs typeface="Times New Roman" panose="02020603050405020304" pitchFamily="18" charset="0"/>
+              </a:rPr>
+              <a:t>Data Understanding</a:t>
             </a:r>
           </a:p>
           <a:p>
@@ -12386,7 +13021,7 @@
                 <a:latin typeface="Times New Roman" panose="02020603050405020304" pitchFamily="18" charset="0"/>
                 <a:cs typeface="Times New Roman" panose="02020603050405020304" pitchFamily="18" charset="0"/>
               </a:rPr>
-              <a:t>Cleaning Data</a:t>
+              <a:t>Data Modelling </a:t>
             </a:r>
           </a:p>
           <a:p>
@@ -12395,26 +13030,14 @@
                 <a:latin typeface="Times New Roman" panose="02020603050405020304" pitchFamily="18" charset="0"/>
                 <a:cs typeface="Times New Roman" panose="02020603050405020304" pitchFamily="18" charset="0"/>
               </a:rPr>
-              <a:t>Analysing Data</a:t>
-            </a:r>
-          </a:p>
-          <a:p>
-            <a:r>
-              <a:rPr lang="en-IN" sz="2500" dirty="0">
-                <a:latin typeface="Times New Roman" panose="02020603050405020304" pitchFamily="18" charset="0"/>
-                <a:cs typeface="Times New Roman" panose="02020603050405020304" pitchFamily="18" charset="0"/>
-              </a:rPr>
-              <a:t>Visualization</a:t>
-            </a:r>
-          </a:p>
-          <a:p>
-            <a:r>
-              <a:rPr lang="en-IN" sz="2500" dirty="0">
-                <a:latin typeface="Times New Roman" panose="02020603050405020304" pitchFamily="18" charset="0"/>
-                <a:cs typeface="Times New Roman" panose="02020603050405020304" pitchFamily="18" charset="0"/>
-              </a:rPr>
-              <a:t>Reporting</a:t>
-            </a:r>
+              <a:t>Model Optimization</a:t>
+            </a:r>
+          </a:p>
+          <a:p>
+            <a:endParaRPr lang="en-IN" sz="2500" dirty="0">
+              <a:latin typeface="Times New Roman" panose="02020603050405020304" pitchFamily="18" charset="0"/>
+              <a:cs typeface="Times New Roman" panose="02020603050405020304" pitchFamily="18" charset="0"/>
+            </a:endParaRPr>
           </a:p>
           <a:p>
             <a:endParaRPr lang="en-US" dirty="0"/>
@@ -12846,7 +13469,7 @@
           <p:cNvPr id="2" name="Title 1">
             <a:extLst>
               <a:ext uri="{FF2B5EF4-FFF2-40B4-BE49-F238E27FC236}">
-                <a16:creationId xmlns:a16="http://schemas.microsoft.com/office/drawing/2014/main" id="{34F5B572-D162-4BD8-84B0-D1351E42C131}"/>
+                <a16:creationId xmlns:a16="http://schemas.microsoft.com/office/drawing/2014/main" id="{5E09E1A6-EBD1-4E5B-8BB3-D901BA2E44BB}"/>
               </a:ext>
             </a:extLst>
           </p:cNvPr>
@@ -12872,7 +13495,7 @@
                 <a:latin typeface="Times New Roman" panose="02020603050405020304" pitchFamily="18" charset="0"/>
                 <a:cs typeface="Times New Roman" panose="02020603050405020304" pitchFamily="18" charset="0"/>
               </a:rPr>
-              <a:t>MOTIVATION</a:t>
+              <a:t>PROJECT OBJECTIVE</a:t>
             </a:r>
           </a:p>
         </p:txBody>
@@ -12882,7 +13505,7 @@
           <p:cNvPr id="3" name="Content Placeholder 2">
             <a:extLst>
               <a:ext uri="{FF2B5EF4-FFF2-40B4-BE49-F238E27FC236}">
-                <a16:creationId xmlns:a16="http://schemas.microsoft.com/office/drawing/2014/main" id="{A10E11D5-0C25-497F-A827-9C3C7EB43748}"/>
+                <a16:creationId xmlns:a16="http://schemas.microsoft.com/office/drawing/2014/main" id="{9FA00C2A-DFEC-40B6-A92C-8F4E4BCC246F}"/>
               </a:ext>
             </a:extLst>
           </p:cNvPr>
@@ -12895,39 +13518,50 @@
         </p:nvSpPr>
         <p:spPr>
           <a:xfrm>
-            <a:off x="1598610" y="2121876"/>
+            <a:off x="1405180" y="1866899"/>
             <a:ext cx="10018713" cy="3124201"/>
           </a:xfrm>
         </p:spPr>
         <p:txBody>
           <a:bodyPr>
-            <a:normAutofit fontScale="92500"/>
+            <a:normAutofit/>
           </a:bodyPr>
           <a:lstStyle/>
           <a:p>
-            <a:pPr marL="0" indent="0" algn="just">
-              <a:buNone/>
-            </a:pPr>
+            <a:pPr lvl="0"/>
             <a:r>
               <a:rPr lang="en-US" sz="2500" dirty="0">
                 <a:latin typeface="Times New Roman" panose="02020603050405020304" pitchFamily="18" charset="0"/>
                 <a:cs typeface="Times New Roman" panose="02020603050405020304" pitchFamily="18" charset="0"/>
               </a:rPr>
-              <a:t>The main motivation for us to go for this project was that a lot of internships are provided on Internshala and a lot of applications for these internship are there, now if it the selection of the application is done manually it will consume lots of time and man-power and there are chances of human error. It is not possible to reduce the error of selection completely but if we can design a programme to select the most suitable candidate for a given internship then we ca reduce the time consumed and the workload and as it is being done by a machine the chances of error will also will be reduced and that is our goal.</a:t>
-            </a:r>
-          </a:p>
-          <a:p>
-            <a:pPr marL="0" indent="0" algn="just">
-              <a:buNone/>
-            </a:pPr>
-            <a:endParaRPr lang="en-US" dirty="0"/>
+              <a:t>Build the best multiple regression model that can predict the most suitable candidate for the various internship present on the Internshala, using all the other variables as the predictors.</a:t>
+            </a:r>
+          </a:p>
+          <a:p>
+            <a:pPr lvl="0"/>
+            <a:r>
+              <a:rPr lang="en-US" sz="2500" dirty="0">
+                <a:latin typeface="Times New Roman" panose="02020603050405020304" pitchFamily="18" charset="0"/>
+                <a:cs typeface="Times New Roman" panose="02020603050405020304" pitchFamily="18" charset="0"/>
+              </a:rPr>
+              <a:t>Determine which variables must be made into indicator variables.</a:t>
+            </a:r>
+          </a:p>
+          <a:p>
+            <a:r>
+              <a:rPr lang="en-US" sz="2500" dirty="0">
+                <a:latin typeface="Times New Roman" panose="02020603050405020304" pitchFamily="18" charset="0"/>
+                <a:cs typeface="Times New Roman" panose="02020603050405020304" pitchFamily="18" charset="0"/>
+              </a:rPr>
+              <a:t>Determine which variables might be superfluous.</a:t>
+            </a:r>
           </a:p>
         </p:txBody>
       </p:sp>
     </p:spTree>
     <p:extLst>
       <p:ext uri="{BB962C8B-B14F-4D97-AF65-F5344CB8AC3E}">
-        <p14:creationId xmlns:p14="http://schemas.microsoft.com/office/powerpoint/2010/main" val="2631774592"/>
+        <p14:creationId xmlns:p14="http://schemas.microsoft.com/office/powerpoint/2010/main" val="3752626626"/>
       </p:ext>
     </p:extLst>
   </p:cSld>
@@ -12959,7 +13593,7 @@
           <p:cNvPr id="2" name="Title 1">
             <a:extLst>
               <a:ext uri="{FF2B5EF4-FFF2-40B4-BE49-F238E27FC236}">
-                <a16:creationId xmlns:a16="http://schemas.microsoft.com/office/drawing/2014/main" id="{5E09E1A6-EBD1-4E5B-8BB3-D901BA2E44BB}"/>
+                <a16:creationId xmlns:a16="http://schemas.microsoft.com/office/drawing/2014/main" id="{34F5B572-D162-4BD8-84B0-D1351E42C131}"/>
               </a:ext>
             </a:extLst>
           </p:cNvPr>
@@ -12985,7 +13619,7 @@
                 <a:latin typeface="Times New Roman" panose="02020603050405020304" pitchFamily="18" charset="0"/>
                 <a:cs typeface="Times New Roman" panose="02020603050405020304" pitchFamily="18" charset="0"/>
               </a:rPr>
-              <a:t>PROJECT OBJECTIVE</a:t>
+              <a:t>MOTIVATION</a:t>
             </a:r>
           </a:p>
         </p:txBody>
@@ -12995,7 +13629,7 @@
           <p:cNvPr id="3" name="Content Placeholder 2">
             <a:extLst>
               <a:ext uri="{FF2B5EF4-FFF2-40B4-BE49-F238E27FC236}">
-                <a16:creationId xmlns:a16="http://schemas.microsoft.com/office/drawing/2014/main" id="{9FA00C2A-DFEC-40B6-A92C-8F4E4BCC246F}"/>
+                <a16:creationId xmlns:a16="http://schemas.microsoft.com/office/drawing/2014/main" id="{A10E11D5-0C25-497F-A827-9C3C7EB43748}"/>
               </a:ext>
             </a:extLst>
           </p:cNvPr>
@@ -13008,50 +13642,39 @@
         </p:nvSpPr>
         <p:spPr>
           <a:xfrm>
-            <a:off x="1405180" y="1866899"/>
+            <a:off x="1598610" y="2121876"/>
             <a:ext cx="10018713" cy="3124201"/>
           </a:xfrm>
         </p:spPr>
         <p:txBody>
           <a:bodyPr>
-            <a:normAutofit/>
+            <a:normAutofit fontScale="92500"/>
           </a:bodyPr>
           <a:lstStyle/>
           <a:p>
-            <a:pPr lvl="0"/>
+            <a:pPr marL="0" indent="0" algn="just">
+              <a:buNone/>
+            </a:pPr>
             <a:r>
               <a:rPr lang="en-US" sz="2500" dirty="0">
                 <a:latin typeface="Times New Roman" panose="02020603050405020304" pitchFamily="18" charset="0"/>
                 <a:cs typeface="Times New Roman" panose="02020603050405020304" pitchFamily="18" charset="0"/>
               </a:rPr>
-              <a:t>Build the best multiple regression model that can predict the most suitable candidate for the various internship present on the Internshala, using all the other variables as the predictors.</a:t>
-            </a:r>
-          </a:p>
-          <a:p>
-            <a:pPr lvl="0"/>
-            <a:r>
-              <a:rPr lang="en-US" sz="2500" dirty="0">
-                <a:latin typeface="Times New Roman" panose="02020603050405020304" pitchFamily="18" charset="0"/>
-                <a:cs typeface="Times New Roman" panose="02020603050405020304" pitchFamily="18" charset="0"/>
-              </a:rPr>
-              <a:t>Determine which variables must be made into indicator variables.</a:t>
-            </a:r>
-          </a:p>
-          <a:p>
-            <a:r>
-              <a:rPr lang="en-US" sz="2500" dirty="0">
-                <a:latin typeface="Times New Roman" panose="02020603050405020304" pitchFamily="18" charset="0"/>
-                <a:cs typeface="Times New Roman" panose="02020603050405020304" pitchFamily="18" charset="0"/>
-              </a:rPr>
-              <a:t>Determine which variables might be superfluous.</a:t>
-            </a:r>
+              <a:t>The main motivation for us to go for this project was that a lot of internships are provided on Internshala and a lot of applications for these internship are there, now if it the selection of the application is done manually it will consume lots of time and man-power and there are chances of human error. It is not possible to reduce the error of selection completely but if we can design a programme to select the most suitable candidate for a given internship then we ca reduce the time consumed and the workload and as it is being done by a machine the chances of error will also will be reduced and that is our goal.</a:t>
+            </a:r>
+          </a:p>
+          <a:p>
+            <a:pPr marL="0" indent="0" algn="just">
+              <a:buNone/>
+            </a:pPr>
+            <a:endParaRPr lang="en-US" dirty="0"/>
           </a:p>
         </p:txBody>
       </p:sp>
     </p:spTree>
     <p:extLst>
       <p:ext uri="{BB962C8B-B14F-4D97-AF65-F5344CB8AC3E}">
-        <p14:creationId xmlns:p14="http://schemas.microsoft.com/office/powerpoint/2010/main" val="3752626626"/>
+        <p14:creationId xmlns:p14="http://schemas.microsoft.com/office/powerpoint/2010/main" val="2631774592"/>
       </p:ext>
     </p:extLst>
   </p:cSld>
